--- a/ov_msckf/scripts/runs_oct4_23/eval_save/err_fig/canvas.pptx
+++ b/ov_msckf/scripts/runs_oct4_23/eval_save/err_fig/canvas.pptx
@@ -2,18 +2,18 @@
 <file path=ppt/presentation.xml><?xml version="1.0" encoding="utf-8"?>
 <p:presentation xmlns:a="http://schemas.openxmlformats.org/drawingml/2006/main" xmlns:r="http://schemas.openxmlformats.org/officeDocument/2006/relationships" xmlns:p="http://schemas.openxmlformats.org/presentationml/2006/main" saveSubsetFonts="1" autoCompressPictures="0">
   <p:sldMasterIdLst>
-    <p:sldMasterId id="2147483648" r:id="rId1"/>
+    <p:sldMasterId id="2147483660" r:id="rId1"/>
   </p:sldMasterIdLst>
   <p:sldIdLst>
     <p:sldId id="256" r:id="rId2"/>
   </p:sldIdLst>
-  <p:sldSz cx="12192000" cy="6858000"/>
+  <p:sldSz cx="45720000" cy="45720000"/>
   <p:notesSz cx="6858000" cy="9144000"/>
   <p:defaultTextStyle>
     <a:defPPr>
       <a:defRPr lang="en-US"/>
     </a:defPPr>
-    <a:lvl1pPr marL="0" algn="l" defTabSz="914400" rtl="0" eaLnBrk="1" latinLnBrk="0" hangingPunct="1">
+    <a:lvl1pPr marL="0" algn="l" defTabSz="457200" rtl="0" eaLnBrk="1" latinLnBrk="0" hangingPunct="1">
       <a:defRPr sz="1800" kern="1200">
         <a:solidFill>
           <a:schemeClr val="tx1"/>
@@ -23,7 +23,7 @@
         <a:cs typeface="+mn-cs"/>
       </a:defRPr>
     </a:lvl1pPr>
-    <a:lvl2pPr marL="457200" algn="l" defTabSz="914400" rtl="0" eaLnBrk="1" latinLnBrk="0" hangingPunct="1">
+    <a:lvl2pPr marL="457200" algn="l" defTabSz="457200" rtl="0" eaLnBrk="1" latinLnBrk="0" hangingPunct="1">
       <a:defRPr sz="1800" kern="1200">
         <a:solidFill>
           <a:schemeClr val="tx1"/>
@@ -33,7 +33,7 @@
         <a:cs typeface="+mn-cs"/>
       </a:defRPr>
     </a:lvl2pPr>
-    <a:lvl3pPr marL="914400" algn="l" defTabSz="914400" rtl="0" eaLnBrk="1" latinLnBrk="0" hangingPunct="1">
+    <a:lvl3pPr marL="914400" algn="l" defTabSz="457200" rtl="0" eaLnBrk="1" latinLnBrk="0" hangingPunct="1">
       <a:defRPr sz="1800" kern="1200">
         <a:solidFill>
           <a:schemeClr val="tx1"/>
@@ -43,7 +43,7 @@
         <a:cs typeface="+mn-cs"/>
       </a:defRPr>
     </a:lvl3pPr>
-    <a:lvl4pPr marL="1371600" algn="l" defTabSz="914400" rtl="0" eaLnBrk="1" latinLnBrk="0" hangingPunct="1">
+    <a:lvl4pPr marL="1371600" algn="l" defTabSz="457200" rtl="0" eaLnBrk="1" latinLnBrk="0" hangingPunct="1">
       <a:defRPr sz="1800" kern="1200">
         <a:solidFill>
           <a:schemeClr val="tx1"/>
@@ -53,7 +53,7 @@
         <a:cs typeface="+mn-cs"/>
       </a:defRPr>
     </a:lvl4pPr>
-    <a:lvl5pPr marL="1828800" algn="l" defTabSz="914400" rtl="0" eaLnBrk="1" latinLnBrk="0" hangingPunct="1">
+    <a:lvl5pPr marL="1828800" algn="l" defTabSz="457200" rtl="0" eaLnBrk="1" latinLnBrk="0" hangingPunct="1">
       <a:defRPr sz="1800" kern="1200">
         <a:solidFill>
           <a:schemeClr val="tx1"/>
@@ -63,7 +63,7 @@
         <a:cs typeface="+mn-cs"/>
       </a:defRPr>
     </a:lvl5pPr>
-    <a:lvl6pPr marL="2286000" algn="l" defTabSz="914400" rtl="0" eaLnBrk="1" latinLnBrk="0" hangingPunct="1">
+    <a:lvl6pPr marL="2286000" algn="l" defTabSz="457200" rtl="0" eaLnBrk="1" latinLnBrk="0" hangingPunct="1">
       <a:defRPr sz="1800" kern="1200">
         <a:solidFill>
           <a:schemeClr val="tx1"/>
@@ -73,7 +73,7 @@
         <a:cs typeface="+mn-cs"/>
       </a:defRPr>
     </a:lvl6pPr>
-    <a:lvl7pPr marL="2743200" algn="l" defTabSz="914400" rtl="0" eaLnBrk="1" latinLnBrk="0" hangingPunct="1">
+    <a:lvl7pPr marL="2743200" algn="l" defTabSz="457200" rtl="0" eaLnBrk="1" latinLnBrk="0" hangingPunct="1">
       <a:defRPr sz="1800" kern="1200">
         <a:solidFill>
           <a:schemeClr val="tx1"/>
@@ -83,7 +83,7 @@
         <a:cs typeface="+mn-cs"/>
       </a:defRPr>
     </a:lvl7pPr>
-    <a:lvl8pPr marL="3200400" algn="l" defTabSz="914400" rtl="0" eaLnBrk="1" latinLnBrk="0" hangingPunct="1">
+    <a:lvl8pPr marL="3200400" algn="l" defTabSz="457200" rtl="0" eaLnBrk="1" latinLnBrk="0" hangingPunct="1">
       <a:defRPr sz="1800" kern="1200">
         <a:solidFill>
           <a:schemeClr val="tx1"/>
@@ -93,7 +93,7 @@
         <a:cs typeface="+mn-cs"/>
       </a:defRPr>
     </a:lvl8pPr>
-    <a:lvl9pPr marL="3657600" algn="l" defTabSz="914400" rtl="0" eaLnBrk="1" latinLnBrk="0" hangingPunct="1">
+    <a:lvl9pPr marL="3657600" algn="l" defTabSz="457200" rtl="0" eaLnBrk="1" latinLnBrk="0" hangingPunct="1">
       <a:defRPr sz="1800" kern="1200">
         <a:solidFill>
           <a:schemeClr val="tx1"/>
@@ -131,13 +131,7 @@
       </p:grpSpPr>
       <p:sp>
         <p:nvSpPr>
-          <p:cNvPr id="2" name="Title 1">
-            <a:extLst>
-              <a:ext uri="{FF2B5EF4-FFF2-40B4-BE49-F238E27FC236}">
-                <a16:creationId xmlns:a16="http://schemas.microsoft.com/office/drawing/2014/main" id="{194B4BD0-874C-33DB-6B0D-BE2674BD6787}"/>
-              </a:ext>
-            </a:extLst>
-          </p:cNvPr>
+          <p:cNvPr id="2" name="Title 1"/>
           <p:cNvSpPr>
             <a:spLocks noGrp="1"/>
           </p:cNvSpPr>
@@ -147,15 +141,15 @@
         </p:nvSpPr>
         <p:spPr>
           <a:xfrm>
-            <a:off x="1524000" y="1122363"/>
-            <a:ext cx="9144000" cy="2387600"/>
+            <a:off x="3429000" y="7482420"/>
+            <a:ext cx="38862000" cy="15917333"/>
           </a:xfrm>
         </p:spPr>
         <p:txBody>
           <a:bodyPr anchor="b"/>
           <a:lstStyle>
             <a:lvl1pPr algn="ctr">
-              <a:defRPr sz="6000"/>
+              <a:defRPr sz="30000"/>
             </a:lvl1pPr>
           </a:lstStyle>
           <a:p>
@@ -163,18 +157,13 @@
               <a:rPr lang="en-US"/>
               <a:t>Click to edit Master title style</a:t>
             </a:r>
-          </a:p>
-        </p:txBody>
-      </p:sp>
-      <p:sp>
-        <p:nvSpPr>
-          <p:cNvPr id="3" name="Subtitle 2">
-            <a:extLst>
-              <a:ext uri="{FF2B5EF4-FFF2-40B4-BE49-F238E27FC236}">
-                <a16:creationId xmlns:a16="http://schemas.microsoft.com/office/drawing/2014/main" id="{351A97B8-E7F9-4B67-2209-29E80064CC77}"/>
-              </a:ext>
-            </a:extLst>
-          </p:cNvPr>
+            <a:endParaRPr lang="en-US" dirty="0"/>
+          </a:p>
+        </p:txBody>
+      </p:sp>
+      <p:sp>
+        <p:nvSpPr>
+          <p:cNvPr id="3" name="Subtitle 2"/>
           <p:cNvSpPr>
             <a:spLocks noGrp="1"/>
           </p:cNvSpPr>
@@ -184,8 +173,8 @@
         </p:nvSpPr>
         <p:spPr>
           <a:xfrm>
-            <a:off x="1524000" y="3602038"/>
-            <a:ext cx="9144000" cy="1655762"/>
+            <a:off x="5715000" y="24013587"/>
+            <a:ext cx="34290000" cy="11038413"/>
           </a:xfrm>
         </p:spPr>
         <p:txBody>
@@ -193,39 +182,39 @@
           <a:lstStyle>
             <a:lvl1pPr marL="0" indent="0" algn="ctr">
               <a:buNone/>
-              <a:defRPr sz="2400"/>
+              <a:defRPr sz="12000"/>
             </a:lvl1pPr>
-            <a:lvl2pPr marL="457200" indent="0" algn="ctr">
-              <a:buNone/>
-              <a:defRPr sz="2000"/>
+            <a:lvl2pPr marL="2286000" indent="0" algn="ctr">
+              <a:buNone/>
+              <a:defRPr sz="10000"/>
             </a:lvl2pPr>
-            <a:lvl3pPr marL="914400" indent="0" algn="ctr">
-              <a:buNone/>
-              <a:defRPr sz="1800"/>
+            <a:lvl3pPr marL="4572000" indent="0" algn="ctr">
+              <a:buNone/>
+              <a:defRPr sz="9000"/>
             </a:lvl3pPr>
-            <a:lvl4pPr marL="1371600" indent="0" algn="ctr">
-              <a:buNone/>
-              <a:defRPr sz="1600"/>
+            <a:lvl4pPr marL="6858000" indent="0" algn="ctr">
+              <a:buNone/>
+              <a:defRPr sz="8000"/>
             </a:lvl4pPr>
-            <a:lvl5pPr marL="1828800" indent="0" algn="ctr">
-              <a:buNone/>
-              <a:defRPr sz="1600"/>
+            <a:lvl5pPr marL="9144000" indent="0" algn="ctr">
+              <a:buNone/>
+              <a:defRPr sz="8000"/>
             </a:lvl5pPr>
-            <a:lvl6pPr marL="2286000" indent="0" algn="ctr">
-              <a:buNone/>
-              <a:defRPr sz="1600"/>
+            <a:lvl6pPr marL="11430000" indent="0" algn="ctr">
+              <a:buNone/>
+              <a:defRPr sz="8000"/>
             </a:lvl6pPr>
-            <a:lvl7pPr marL="2743200" indent="0" algn="ctr">
-              <a:buNone/>
-              <a:defRPr sz="1600"/>
+            <a:lvl7pPr marL="13716000" indent="0" algn="ctr">
+              <a:buNone/>
+              <a:defRPr sz="8000"/>
             </a:lvl7pPr>
-            <a:lvl8pPr marL="3200400" indent="0" algn="ctr">
-              <a:buNone/>
-              <a:defRPr sz="1600"/>
+            <a:lvl8pPr marL="16002000" indent="0" algn="ctr">
+              <a:buNone/>
+              <a:defRPr sz="8000"/>
             </a:lvl8pPr>
-            <a:lvl9pPr marL="3657600" indent="0" algn="ctr">
-              <a:buNone/>
-              <a:defRPr sz="1600"/>
+            <a:lvl9pPr marL="18288000" indent="0" algn="ctr">
+              <a:buNone/>
+              <a:defRPr sz="8000"/>
             </a:lvl9pPr>
           </a:lstStyle>
           <a:p>
@@ -233,18 +222,13 @@
               <a:rPr lang="en-US"/>
               <a:t>Click to edit Master subtitle style</a:t>
             </a:r>
-          </a:p>
-        </p:txBody>
-      </p:sp>
-      <p:sp>
-        <p:nvSpPr>
-          <p:cNvPr id="4" name="Date Placeholder 3">
-            <a:extLst>
-              <a:ext uri="{FF2B5EF4-FFF2-40B4-BE49-F238E27FC236}">
-                <a16:creationId xmlns:a16="http://schemas.microsoft.com/office/drawing/2014/main" id="{1F23326D-E918-938B-3A03-7B9E7F730687}"/>
-              </a:ext>
-            </a:extLst>
-          </p:cNvPr>
+            <a:endParaRPr lang="en-US" dirty="0"/>
+          </a:p>
+        </p:txBody>
+      </p:sp>
+      <p:sp>
+        <p:nvSpPr>
+          <p:cNvPr id="4" name="Date Placeholder 3"/>
           <p:cNvSpPr>
             <a:spLocks noGrp="1"/>
           </p:cNvSpPr>
@@ -259,7 +243,7 @@
           <a:p>
             <a:fld id="{431BDD4E-32C7-1149-B0F2-A957CE1F2E36}" type="datetimeFigureOut">
               <a:rPr lang="en-US" smtClean="0"/>
-              <a:t>10/9/23</a:t>
+              <a:t>10/10/23</a:t>
             </a:fld>
             <a:endParaRPr lang="en-US"/>
           </a:p>
@@ -267,13 +251,7 @@
       </p:sp>
       <p:sp>
         <p:nvSpPr>
-          <p:cNvPr id="5" name="Footer Placeholder 4">
-            <a:extLst>
-              <a:ext uri="{FF2B5EF4-FFF2-40B4-BE49-F238E27FC236}">
-                <a16:creationId xmlns:a16="http://schemas.microsoft.com/office/drawing/2014/main" id="{025748ED-12FD-E038-CE69-FDE42F336DDB}"/>
-              </a:ext>
-            </a:extLst>
-          </p:cNvPr>
+          <p:cNvPr id="5" name="Footer Placeholder 4"/>
           <p:cNvSpPr>
             <a:spLocks noGrp="1"/>
           </p:cNvSpPr>
@@ -292,13 +270,7 @@
       </p:sp>
       <p:sp>
         <p:nvSpPr>
-          <p:cNvPr id="6" name="Slide Number Placeholder 5">
-            <a:extLst>
-              <a:ext uri="{FF2B5EF4-FFF2-40B4-BE49-F238E27FC236}">
-                <a16:creationId xmlns:a16="http://schemas.microsoft.com/office/drawing/2014/main" id="{CED7B2EC-F6EA-68C2-EDE1-C50CF01E3BED}"/>
-              </a:ext>
-            </a:extLst>
-          </p:cNvPr>
+          <p:cNvPr id="6" name="Slide Number Placeholder 5"/>
           <p:cNvSpPr>
             <a:spLocks noGrp="1"/>
           </p:cNvSpPr>
@@ -322,7 +294,7 @@
     </p:spTree>
     <p:extLst>
       <p:ext uri="{BB962C8B-B14F-4D97-AF65-F5344CB8AC3E}">
-        <p14:creationId xmlns:p14="http://schemas.microsoft.com/office/powerpoint/2010/main" val="1830281603"/>
+        <p14:creationId xmlns:p14="http://schemas.microsoft.com/office/powerpoint/2010/main" val="1650528146"/>
       </p:ext>
     </p:extLst>
   </p:cSld>
@@ -351,13 +323,7 @@
       </p:grpSpPr>
       <p:sp>
         <p:nvSpPr>
-          <p:cNvPr id="2" name="Title 1">
-            <a:extLst>
-              <a:ext uri="{FF2B5EF4-FFF2-40B4-BE49-F238E27FC236}">
-                <a16:creationId xmlns:a16="http://schemas.microsoft.com/office/drawing/2014/main" id="{A3B799BE-B010-432C-8238-CCD3497212BD}"/>
-              </a:ext>
-            </a:extLst>
-          </p:cNvPr>
+          <p:cNvPr id="2" name="Title 1"/>
           <p:cNvSpPr>
             <a:spLocks noGrp="1"/>
           </p:cNvSpPr>
@@ -374,18 +340,13 @@
               <a:rPr lang="en-US"/>
               <a:t>Click to edit Master title style</a:t>
             </a:r>
-          </a:p>
-        </p:txBody>
-      </p:sp>
-      <p:sp>
-        <p:nvSpPr>
-          <p:cNvPr id="3" name="Vertical Text Placeholder 2">
-            <a:extLst>
-              <a:ext uri="{FF2B5EF4-FFF2-40B4-BE49-F238E27FC236}">
-                <a16:creationId xmlns:a16="http://schemas.microsoft.com/office/drawing/2014/main" id="{840B59A0-B726-A144-4FDD-1ACEBDAC799E}"/>
-              </a:ext>
-            </a:extLst>
-          </p:cNvPr>
+            <a:endParaRPr lang="en-US" dirty="0"/>
+          </a:p>
+        </p:txBody>
+      </p:sp>
+      <p:sp>
+        <p:nvSpPr>
+          <p:cNvPr id="3" name="Vertical Text Placeholder 2"/>
           <p:cNvSpPr>
             <a:spLocks noGrp="1"/>
           </p:cNvSpPr>
@@ -431,18 +392,13 @@
               <a:rPr lang="en-US"/>
               <a:t>Fifth level</a:t>
             </a:r>
-          </a:p>
-        </p:txBody>
-      </p:sp>
-      <p:sp>
-        <p:nvSpPr>
-          <p:cNvPr id="4" name="Date Placeholder 3">
-            <a:extLst>
-              <a:ext uri="{FF2B5EF4-FFF2-40B4-BE49-F238E27FC236}">
-                <a16:creationId xmlns:a16="http://schemas.microsoft.com/office/drawing/2014/main" id="{B7EF8453-310F-5B83-9A2D-ABBA5B71D665}"/>
-              </a:ext>
-            </a:extLst>
-          </p:cNvPr>
+            <a:endParaRPr lang="en-US" dirty="0"/>
+          </a:p>
+        </p:txBody>
+      </p:sp>
+      <p:sp>
+        <p:nvSpPr>
+          <p:cNvPr id="4" name="Date Placeholder 3"/>
           <p:cNvSpPr>
             <a:spLocks noGrp="1"/>
           </p:cNvSpPr>
@@ -457,7 +413,7 @@
           <a:p>
             <a:fld id="{431BDD4E-32C7-1149-B0F2-A957CE1F2E36}" type="datetimeFigureOut">
               <a:rPr lang="en-US" smtClean="0"/>
-              <a:t>10/9/23</a:t>
+              <a:t>10/10/23</a:t>
             </a:fld>
             <a:endParaRPr lang="en-US"/>
           </a:p>
@@ -465,13 +421,7 @@
       </p:sp>
       <p:sp>
         <p:nvSpPr>
-          <p:cNvPr id="5" name="Footer Placeholder 4">
-            <a:extLst>
-              <a:ext uri="{FF2B5EF4-FFF2-40B4-BE49-F238E27FC236}">
-                <a16:creationId xmlns:a16="http://schemas.microsoft.com/office/drawing/2014/main" id="{3B063C7C-9B00-5998-CDA8-88C9D24A305A}"/>
-              </a:ext>
-            </a:extLst>
-          </p:cNvPr>
+          <p:cNvPr id="5" name="Footer Placeholder 4"/>
           <p:cNvSpPr>
             <a:spLocks noGrp="1"/>
           </p:cNvSpPr>
@@ -490,13 +440,7 @@
       </p:sp>
       <p:sp>
         <p:nvSpPr>
-          <p:cNvPr id="6" name="Slide Number Placeholder 5">
-            <a:extLst>
-              <a:ext uri="{FF2B5EF4-FFF2-40B4-BE49-F238E27FC236}">
-                <a16:creationId xmlns:a16="http://schemas.microsoft.com/office/drawing/2014/main" id="{C2A3E0AD-C731-0F60-F245-BDFEC3E17514}"/>
-              </a:ext>
-            </a:extLst>
-          </p:cNvPr>
+          <p:cNvPr id="6" name="Slide Number Placeholder 5"/>
           <p:cNvSpPr>
             <a:spLocks noGrp="1"/>
           </p:cNvSpPr>
@@ -520,7 +464,7 @@
     </p:spTree>
     <p:extLst>
       <p:ext uri="{BB962C8B-B14F-4D97-AF65-F5344CB8AC3E}">
-        <p14:creationId xmlns:p14="http://schemas.microsoft.com/office/powerpoint/2010/main" val="300313057"/>
+        <p14:creationId xmlns:p14="http://schemas.microsoft.com/office/powerpoint/2010/main" val="3319434696"/>
       </p:ext>
     </p:extLst>
   </p:cSld>
@@ -549,13 +493,7 @@
       </p:grpSpPr>
       <p:sp>
         <p:nvSpPr>
-          <p:cNvPr id="2" name="Vertical Title 1">
-            <a:extLst>
-              <a:ext uri="{FF2B5EF4-FFF2-40B4-BE49-F238E27FC236}">
-                <a16:creationId xmlns:a16="http://schemas.microsoft.com/office/drawing/2014/main" id="{579D788D-938C-3717-645A-1822F2C9B6BC}"/>
-              </a:ext>
-            </a:extLst>
-          </p:cNvPr>
+          <p:cNvPr id="2" name="Vertical Title 1"/>
           <p:cNvSpPr>
             <a:spLocks noGrp="1"/>
           </p:cNvSpPr>
@@ -565,8 +503,8 @@
         </p:nvSpPr>
         <p:spPr>
           <a:xfrm>
-            <a:off x="8724900" y="365125"/>
-            <a:ext cx="2628900" cy="5811838"/>
+            <a:off x="32718378" y="2434166"/>
+            <a:ext cx="9858375" cy="38745587"/>
           </a:xfrm>
         </p:spPr>
         <p:txBody>
@@ -577,18 +515,13 @@
               <a:rPr lang="en-US"/>
               <a:t>Click to edit Master title style</a:t>
             </a:r>
-          </a:p>
-        </p:txBody>
-      </p:sp>
-      <p:sp>
-        <p:nvSpPr>
-          <p:cNvPr id="3" name="Vertical Text Placeholder 2">
-            <a:extLst>
-              <a:ext uri="{FF2B5EF4-FFF2-40B4-BE49-F238E27FC236}">
-                <a16:creationId xmlns:a16="http://schemas.microsoft.com/office/drawing/2014/main" id="{85D27D5F-EF88-CC92-DCEF-ADC5A034534F}"/>
-              </a:ext>
-            </a:extLst>
-          </p:cNvPr>
+            <a:endParaRPr lang="en-US" dirty="0"/>
+          </a:p>
+        </p:txBody>
+      </p:sp>
+      <p:sp>
+        <p:nvSpPr>
+          <p:cNvPr id="3" name="Vertical Text Placeholder 2"/>
           <p:cNvSpPr>
             <a:spLocks noGrp="1"/>
           </p:cNvSpPr>
@@ -598,8 +531,8 @@
         </p:nvSpPr>
         <p:spPr>
           <a:xfrm>
-            <a:off x="838200" y="365125"/>
-            <a:ext cx="7734300" cy="5811838"/>
+            <a:off x="3143253" y="2434166"/>
+            <a:ext cx="29003625" cy="38745587"/>
           </a:xfrm>
         </p:spPr>
         <p:txBody>
@@ -639,18 +572,13 @@
               <a:rPr lang="en-US"/>
               <a:t>Fifth level</a:t>
             </a:r>
-          </a:p>
-        </p:txBody>
-      </p:sp>
-      <p:sp>
-        <p:nvSpPr>
-          <p:cNvPr id="4" name="Date Placeholder 3">
-            <a:extLst>
-              <a:ext uri="{FF2B5EF4-FFF2-40B4-BE49-F238E27FC236}">
-                <a16:creationId xmlns:a16="http://schemas.microsoft.com/office/drawing/2014/main" id="{3498DA2B-73E3-B7CD-55AD-CEB50C718EB5}"/>
-              </a:ext>
-            </a:extLst>
-          </p:cNvPr>
+            <a:endParaRPr lang="en-US" dirty="0"/>
+          </a:p>
+        </p:txBody>
+      </p:sp>
+      <p:sp>
+        <p:nvSpPr>
+          <p:cNvPr id="4" name="Date Placeholder 3"/>
           <p:cNvSpPr>
             <a:spLocks noGrp="1"/>
           </p:cNvSpPr>
@@ -665,7 +593,7 @@
           <a:p>
             <a:fld id="{431BDD4E-32C7-1149-B0F2-A957CE1F2E36}" type="datetimeFigureOut">
               <a:rPr lang="en-US" smtClean="0"/>
-              <a:t>10/9/23</a:t>
+              <a:t>10/10/23</a:t>
             </a:fld>
             <a:endParaRPr lang="en-US"/>
           </a:p>
@@ -673,13 +601,7 @@
       </p:sp>
       <p:sp>
         <p:nvSpPr>
-          <p:cNvPr id="5" name="Footer Placeholder 4">
-            <a:extLst>
-              <a:ext uri="{FF2B5EF4-FFF2-40B4-BE49-F238E27FC236}">
-                <a16:creationId xmlns:a16="http://schemas.microsoft.com/office/drawing/2014/main" id="{DC213D9D-D195-755A-1162-089FB13D2254}"/>
-              </a:ext>
-            </a:extLst>
-          </p:cNvPr>
+          <p:cNvPr id="5" name="Footer Placeholder 4"/>
           <p:cNvSpPr>
             <a:spLocks noGrp="1"/>
           </p:cNvSpPr>
@@ -698,13 +620,7 @@
       </p:sp>
       <p:sp>
         <p:nvSpPr>
-          <p:cNvPr id="6" name="Slide Number Placeholder 5">
-            <a:extLst>
-              <a:ext uri="{FF2B5EF4-FFF2-40B4-BE49-F238E27FC236}">
-                <a16:creationId xmlns:a16="http://schemas.microsoft.com/office/drawing/2014/main" id="{ABB9BC97-BA12-D3C7-A065-870A685A7BC1}"/>
-              </a:ext>
-            </a:extLst>
-          </p:cNvPr>
+          <p:cNvPr id="6" name="Slide Number Placeholder 5"/>
           <p:cNvSpPr>
             <a:spLocks noGrp="1"/>
           </p:cNvSpPr>
@@ -728,7 +644,7 @@
     </p:spTree>
     <p:extLst>
       <p:ext uri="{BB962C8B-B14F-4D97-AF65-F5344CB8AC3E}">
-        <p14:creationId xmlns:p14="http://schemas.microsoft.com/office/powerpoint/2010/main" val="859217979"/>
+        <p14:creationId xmlns:p14="http://schemas.microsoft.com/office/powerpoint/2010/main" val="1074505853"/>
       </p:ext>
     </p:extLst>
   </p:cSld>
@@ -757,13 +673,7 @@
       </p:grpSpPr>
       <p:sp>
         <p:nvSpPr>
-          <p:cNvPr id="2" name="Title 1">
-            <a:extLst>
-              <a:ext uri="{FF2B5EF4-FFF2-40B4-BE49-F238E27FC236}">
-                <a16:creationId xmlns:a16="http://schemas.microsoft.com/office/drawing/2014/main" id="{B81A37F9-8B75-5444-604F-C6A7D35F9E36}"/>
-              </a:ext>
-            </a:extLst>
-          </p:cNvPr>
+          <p:cNvPr id="2" name="Title 1"/>
           <p:cNvSpPr>
             <a:spLocks noGrp="1"/>
           </p:cNvSpPr>
@@ -780,18 +690,13 @@
               <a:rPr lang="en-US"/>
               <a:t>Click to edit Master title style</a:t>
             </a:r>
-          </a:p>
-        </p:txBody>
-      </p:sp>
-      <p:sp>
-        <p:nvSpPr>
-          <p:cNvPr id="3" name="Content Placeholder 2">
-            <a:extLst>
-              <a:ext uri="{FF2B5EF4-FFF2-40B4-BE49-F238E27FC236}">
-                <a16:creationId xmlns:a16="http://schemas.microsoft.com/office/drawing/2014/main" id="{60769D09-322B-C5EA-CE82-BFB9EF7A913B}"/>
-              </a:ext>
-            </a:extLst>
-          </p:cNvPr>
+            <a:endParaRPr lang="en-US" dirty="0"/>
+          </a:p>
+        </p:txBody>
+      </p:sp>
+      <p:sp>
+        <p:nvSpPr>
+          <p:cNvPr id="3" name="Content Placeholder 2"/>
           <p:cNvSpPr>
             <a:spLocks noGrp="1"/>
           </p:cNvSpPr>
@@ -837,18 +742,13 @@
               <a:rPr lang="en-US"/>
               <a:t>Fifth level</a:t>
             </a:r>
-          </a:p>
-        </p:txBody>
-      </p:sp>
-      <p:sp>
-        <p:nvSpPr>
-          <p:cNvPr id="4" name="Date Placeholder 3">
-            <a:extLst>
-              <a:ext uri="{FF2B5EF4-FFF2-40B4-BE49-F238E27FC236}">
-                <a16:creationId xmlns:a16="http://schemas.microsoft.com/office/drawing/2014/main" id="{5CE15B6E-8557-3C1D-6340-EBC16E8BA65F}"/>
-              </a:ext>
-            </a:extLst>
-          </p:cNvPr>
+            <a:endParaRPr lang="en-US" dirty="0"/>
+          </a:p>
+        </p:txBody>
+      </p:sp>
+      <p:sp>
+        <p:nvSpPr>
+          <p:cNvPr id="4" name="Date Placeholder 3"/>
           <p:cNvSpPr>
             <a:spLocks noGrp="1"/>
           </p:cNvSpPr>
@@ -863,7 +763,7 @@
           <a:p>
             <a:fld id="{431BDD4E-32C7-1149-B0F2-A957CE1F2E36}" type="datetimeFigureOut">
               <a:rPr lang="en-US" smtClean="0"/>
-              <a:t>10/9/23</a:t>
+              <a:t>10/10/23</a:t>
             </a:fld>
             <a:endParaRPr lang="en-US"/>
           </a:p>
@@ -871,13 +771,7 @@
       </p:sp>
       <p:sp>
         <p:nvSpPr>
-          <p:cNvPr id="5" name="Footer Placeholder 4">
-            <a:extLst>
-              <a:ext uri="{FF2B5EF4-FFF2-40B4-BE49-F238E27FC236}">
-                <a16:creationId xmlns:a16="http://schemas.microsoft.com/office/drawing/2014/main" id="{04286731-84B6-2D19-64BD-EBC736F7372E}"/>
-              </a:ext>
-            </a:extLst>
-          </p:cNvPr>
+          <p:cNvPr id="5" name="Footer Placeholder 4"/>
           <p:cNvSpPr>
             <a:spLocks noGrp="1"/>
           </p:cNvSpPr>
@@ -896,13 +790,7 @@
       </p:sp>
       <p:sp>
         <p:nvSpPr>
-          <p:cNvPr id="6" name="Slide Number Placeholder 5">
-            <a:extLst>
-              <a:ext uri="{FF2B5EF4-FFF2-40B4-BE49-F238E27FC236}">
-                <a16:creationId xmlns:a16="http://schemas.microsoft.com/office/drawing/2014/main" id="{40BB20E5-40A0-56E8-7BB7-1AED6028CFD2}"/>
-              </a:ext>
-            </a:extLst>
-          </p:cNvPr>
+          <p:cNvPr id="6" name="Slide Number Placeholder 5"/>
           <p:cNvSpPr>
             <a:spLocks noGrp="1"/>
           </p:cNvSpPr>
@@ -926,7 +814,7 @@
     </p:spTree>
     <p:extLst>
       <p:ext uri="{BB962C8B-B14F-4D97-AF65-F5344CB8AC3E}">
-        <p14:creationId xmlns:p14="http://schemas.microsoft.com/office/powerpoint/2010/main" val="864192678"/>
+        <p14:creationId xmlns:p14="http://schemas.microsoft.com/office/powerpoint/2010/main" val="2289654328"/>
       </p:ext>
     </p:extLst>
   </p:cSld>
@@ -955,13 +843,7 @@
       </p:grpSpPr>
       <p:sp>
         <p:nvSpPr>
-          <p:cNvPr id="2" name="Title 1">
-            <a:extLst>
-              <a:ext uri="{FF2B5EF4-FFF2-40B4-BE49-F238E27FC236}">
-                <a16:creationId xmlns:a16="http://schemas.microsoft.com/office/drawing/2014/main" id="{7C52BF4F-0EF5-66FD-48EF-BDE06FA40898}"/>
-              </a:ext>
-            </a:extLst>
-          </p:cNvPr>
+          <p:cNvPr id="2" name="Title 1"/>
           <p:cNvSpPr>
             <a:spLocks noGrp="1"/>
           </p:cNvSpPr>
@@ -971,15 +853,15 @@
         </p:nvSpPr>
         <p:spPr>
           <a:xfrm>
-            <a:off x="831850" y="1709738"/>
-            <a:ext cx="10515600" cy="2852737"/>
+            <a:off x="3119440" y="11398263"/>
+            <a:ext cx="39433500" cy="19018247"/>
           </a:xfrm>
         </p:spPr>
         <p:txBody>
           <a:bodyPr anchor="b"/>
           <a:lstStyle>
             <a:lvl1pPr>
-              <a:defRPr sz="6000"/>
+              <a:defRPr sz="30000"/>
             </a:lvl1pPr>
           </a:lstStyle>
           <a:p>
@@ -987,18 +869,13 @@
               <a:rPr lang="en-US"/>
               <a:t>Click to edit Master title style</a:t>
             </a:r>
-          </a:p>
-        </p:txBody>
-      </p:sp>
-      <p:sp>
-        <p:nvSpPr>
-          <p:cNvPr id="3" name="Text Placeholder 2">
-            <a:extLst>
-              <a:ext uri="{FF2B5EF4-FFF2-40B4-BE49-F238E27FC236}">
-                <a16:creationId xmlns:a16="http://schemas.microsoft.com/office/drawing/2014/main" id="{C5CDC3A3-EDC0-112B-BA14-0226D1182229}"/>
-              </a:ext>
-            </a:extLst>
-          </p:cNvPr>
+            <a:endParaRPr lang="en-US" dirty="0"/>
+          </a:p>
+        </p:txBody>
+      </p:sp>
+      <p:sp>
+        <p:nvSpPr>
+          <p:cNvPr id="3" name="Text Placeholder 2"/>
           <p:cNvSpPr>
             <a:spLocks noGrp="1"/>
           </p:cNvSpPr>
@@ -1008,8 +885,8 @@
         </p:nvSpPr>
         <p:spPr>
           <a:xfrm>
-            <a:off x="831850" y="4589463"/>
-            <a:ext cx="10515600" cy="1500187"/>
+            <a:off x="3119440" y="30596430"/>
+            <a:ext cx="39433500" cy="10001247"/>
           </a:xfrm>
         </p:spPr>
         <p:txBody>
@@ -1017,17 +894,15 @@
           <a:lstStyle>
             <a:lvl1pPr marL="0" indent="0">
               <a:buNone/>
-              <a:defRPr sz="2400">
+              <a:defRPr sz="12000">
                 <a:solidFill>
-                  <a:schemeClr val="tx1">
-                    <a:tint val="75000"/>
-                  </a:schemeClr>
+                  <a:schemeClr val="tx1"/>
                 </a:solidFill>
               </a:defRPr>
             </a:lvl1pPr>
-            <a:lvl2pPr marL="457200" indent="0">
-              <a:buNone/>
-              <a:defRPr sz="2000">
+            <a:lvl2pPr marL="2286000" indent="0">
+              <a:buNone/>
+              <a:defRPr sz="10000">
                 <a:solidFill>
                   <a:schemeClr val="tx1">
                     <a:tint val="75000"/>
@@ -1035,9 +910,9 @@
                 </a:solidFill>
               </a:defRPr>
             </a:lvl2pPr>
-            <a:lvl3pPr marL="914400" indent="0">
-              <a:buNone/>
-              <a:defRPr sz="1800">
+            <a:lvl3pPr marL="4572000" indent="0">
+              <a:buNone/>
+              <a:defRPr sz="9000">
                 <a:solidFill>
                   <a:schemeClr val="tx1">
                     <a:tint val="75000"/>
@@ -1045,9 +920,9 @@
                 </a:solidFill>
               </a:defRPr>
             </a:lvl3pPr>
-            <a:lvl4pPr marL="1371600" indent="0">
-              <a:buNone/>
-              <a:defRPr sz="1600">
+            <a:lvl4pPr marL="6858000" indent="0">
+              <a:buNone/>
+              <a:defRPr sz="8000">
                 <a:solidFill>
                   <a:schemeClr val="tx1">
                     <a:tint val="75000"/>
@@ -1055,9 +930,9 @@
                 </a:solidFill>
               </a:defRPr>
             </a:lvl4pPr>
-            <a:lvl5pPr marL="1828800" indent="0">
-              <a:buNone/>
-              <a:defRPr sz="1600">
+            <a:lvl5pPr marL="9144000" indent="0">
+              <a:buNone/>
+              <a:defRPr sz="8000">
                 <a:solidFill>
                   <a:schemeClr val="tx1">
                     <a:tint val="75000"/>
@@ -1065,9 +940,9 @@
                 </a:solidFill>
               </a:defRPr>
             </a:lvl5pPr>
-            <a:lvl6pPr marL="2286000" indent="0">
-              <a:buNone/>
-              <a:defRPr sz="1600">
+            <a:lvl6pPr marL="11430000" indent="0">
+              <a:buNone/>
+              <a:defRPr sz="8000">
                 <a:solidFill>
                   <a:schemeClr val="tx1">
                     <a:tint val="75000"/>
@@ -1075,9 +950,9 @@
                 </a:solidFill>
               </a:defRPr>
             </a:lvl6pPr>
-            <a:lvl7pPr marL="2743200" indent="0">
-              <a:buNone/>
-              <a:defRPr sz="1600">
+            <a:lvl7pPr marL="13716000" indent="0">
+              <a:buNone/>
+              <a:defRPr sz="8000">
                 <a:solidFill>
                   <a:schemeClr val="tx1">
                     <a:tint val="75000"/>
@@ -1085,9 +960,9 @@
                 </a:solidFill>
               </a:defRPr>
             </a:lvl7pPr>
-            <a:lvl8pPr marL="3200400" indent="0">
-              <a:buNone/>
-              <a:defRPr sz="1600">
+            <a:lvl8pPr marL="16002000" indent="0">
+              <a:buNone/>
+              <a:defRPr sz="8000">
                 <a:solidFill>
                   <a:schemeClr val="tx1">
                     <a:tint val="75000"/>
@@ -1095,9 +970,9 @@
                 </a:solidFill>
               </a:defRPr>
             </a:lvl8pPr>
-            <a:lvl9pPr marL="3657600" indent="0">
-              <a:buNone/>
-              <a:defRPr sz="1600">
+            <a:lvl9pPr marL="18288000" indent="0">
+              <a:buNone/>
+              <a:defRPr sz="8000">
                 <a:solidFill>
                   <a:schemeClr val="tx1">
                     <a:tint val="75000"/>
@@ -1117,13 +992,7 @@
       </p:sp>
       <p:sp>
         <p:nvSpPr>
-          <p:cNvPr id="4" name="Date Placeholder 3">
-            <a:extLst>
-              <a:ext uri="{FF2B5EF4-FFF2-40B4-BE49-F238E27FC236}">
-                <a16:creationId xmlns:a16="http://schemas.microsoft.com/office/drawing/2014/main" id="{52097CE4-D9A4-8984-ABDF-DB1DBFBA5018}"/>
-              </a:ext>
-            </a:extLst>
-          </p:cNvPr>
+          <p:cNvPr id="4" name="Date Placeholder 3"/>
           <p:cNvSpPr>
             <a:spLocks noGrp="1"/>
           </p:cNvSpPr>
@@ -1138,7 +1007,7 @@
           <a:p>
             <a:fld id="{431BDD4E-32C7-1149-B0F2-A957CE1F2E36}" type="datetimeFigureOut">
               <a:rPr lang="en-US" smtClean="0"/>
-              <a:t>10/9/23</a:t>
+              <a:t>10/10/23</a:t>
             </a:fld>
             <a:endParaRPr lang="en-US"/>
           </a:p>
@@ -1146,13 +1015,7 @@
       </p:sp>
       <p:sp>
         <p:nvSpPr>
-          <p:cNvPr id="5" name="Footer Placeholder 4">
-            <a:extLst>
-              <a:ext uri="{FF2B5EF4-FFF2-40B4-BE49-F238E27FC236}">
-                <a16:creationId xmlns:a16="http://schemas.microsoft.com/office/drawing/2014/main" id="{AC6118BD-BC14-BE2A-8D19-11849B62792F}"/>
-              </a:ext>
-            </a:extLst>
-          </p:cNvPr>
+          <p:cNvPr id="5" name="Footer Placeholder 4"/>
           <p:cNvSpPr>
             <a:spLocks noGrp="1"/>
           </p:cNvSpPr>
@@ -1171,13 +1034,7 @@
       </p:sp>
       <p:sp>
         <p:nvSpPr>
-          <p:cNvPr id="6" name="Slide Number Placeholder 5">
-            <a:extLst>
-              <a:ext uri="{FF2B5EF4-FFF2-40B4-BE49-F238E27FC236}">
-                <a16:creationId xmlns:a16="http://schemas.microsoft.com/office/drawing/2014/main" id="{05A5A45D-F8D4-732D-E1CB-8AB43AB5DEEE}"/>
-              </a:ext>
-            </a:extLst>
-          </p:cNvPr>
+          <p:cNvPr id="6" name="Slide Number Placeholder 5"/>
           <p:cNvSpPr>
             <a:spLocks noGrp="1"/>
           </p:cNvSpPr>
@@ -1201,7 +1058,7 @@
     </p:spTree>
     <p:extLst>
       <p:ext uri="{BB962C8B-B14F-4D97-AF65-F5344CB8AC3E}">
-        <p14:creationId xmlns:p14="http://schemas.microsoft.com/office/powerpoint/2010/main" val="3794673282"/>
+        <p14:creationId xmlns:p14="http://schemas.microsoft.com/office/powerpoint/2010/main" val="62577855"/>
       </p:ext>
     </p:extLst>
   </p:cSld>
@@ -1230,13 +1087,7 @@
       </p:grpSpPr>
       <p:sp>
         <p:nvSpPr>
-          <p:cNvPr id="2" name="Title 1">
-            <a:extLst>
-              <a:ext uri="{FF2B5EF4-FFF2-40B4-BE49-F238E27FC236}">
-                <a16:creationId xmlns:a16="http://schemas.microsoft.com/office/drawing/2014/main" id="{E463B7A6-7B1D-0C98-F7ED-279821A793E5}"/>
-              </a:ext>
-            </a:extLst>
-          </p:cNvPr>
+          <p:cNvPr id="2" name="Title 1"/>
           <p:cNvSpPr>
             <a:spLocks noGrp="1"/>
           </p:cNvSpPr>
@@ -1253,18 +1104,13 @@
               <a:rPr lang="en-US"/>
               <a:t>Click to edit Master title style</a:t>
             </a:r>
-          </a:p>
-        </p:txBody>
-      </p:sp>
-      <p:sp>
-        <p:nvSpPr>
-          <p:cNvPr id="3" name="Content Placeholder 2">
-            <a:extLst>
-              <a:ext uri="{FF2B5EF4-FFF2-40B4-BE49-F238E27FC236}">
-                <a16:creationId xmlns:a16="http://schemas.microsoft.com/office/drawing/2014/main" id="{C86B1F0D-06F1-8E41-0E3C-FE8B52E60B3A}"/>
-              </a:ext>
-            </a:extLst>
-          </p:cNvPr>
+            <a:endParaRPr lang="en-US" dirty="0"/>
+          </a:p>
+        </p:txBody>
+      </p:sp>
+      <p:sp>
+        <p:nvSpPr>
+          <p:cNvPr id="3" name="Content Placeholder 2"/>
           <p:cNvSpPr>
             <a:spLocks noGrp="1"/>
           </p:cNvSpPr>
@@ -1274,8 +1120,8 @@
         </p:nvSpPr>
         <p:spPr>
           <a:xfrm>
-            <a:off x="838200" y="1825625"/>
-            <a:ext cx="5181600" cy="4351338"/>
+            <a:off x="3143250" y="12170833"/>
+            <a:ext cx="19431000" cy="29008920"/>
           </a:xfrm>
         </p:spPr>
         <p:txBody>
@@ -1315,18 +1161,13 @@
               <a:rPr lang="en-US"/>
               <a:t>Fifth level</a:t>
             </a:r>
-          </a:p>
-        </p:txBody>
-      </p:sp>
-      <p:sp>
-        <p:nvSpPr>
-          <p:cNvPr id="4" name="Content Placeholder 3">
-            <a:extLst>
-              <a:ext uri="{FF2B5EF4-FFF2-40B4-BE49-F238E27FC236}">
-                <a16:creationId xmlns:a16="http://schemas.microsoft.com/office/drawing/2014/main" id="{ECEA2BB8-779F-D033-9686-009B61974C29}"/>
-              </a:ext>
-            </a:extLst>
-          </p:cNvPr>
+            <a:endParaRPr lang="en-US" dirty="0"/>
+          </a:p>
+        </p:txBody>
+      </p:sp>
+      <p:sp>
+        <p:nvSpPr>
+          <p:cNvPr id="4" name="Content Placeholder 3"/>
           <p:cNvSpPr>
             <a:spLocks noGrp="1"/>
           </p:cNvSpPr>
@@ -1336,8 +1177,8 @@
         </p:nvSpPr>
         <p:spPr>
           <a:xfrm>
-            <a:off x="6172200" y="1825625"/>
-            <a:ext cx="5181600" cy="4351338"/>
+            <a:off x="23145750" y="12170833"/>
+            <a:ext cx="19431000" cy="29008920"/>
           </a:xfrm>
         </p:spPr>
         <p:txBody>
@@ -1377,18 +1218,13 @@
               <a:rPr lang="en-US"/>
               <a:t>Fifth level</a:t>
             </a:r>
-          </a:p>
-        </p:txBody>
-      </p:sp>
-      <p:sp>
-        <p:nvSpPr>
-          <p:cNvPr id="5" name="Date Placeholder 4">
-            <a:extLst>
-              <a:ext uri="{FF2B5EF4-FFF2-40B4-BE49-F238E27FC236}">
-                <a16:creationId xmlns:a16="http://schemas.microsoft.com/office/drawing/2014/main" id="{333CF7B7-DA65-00D8-3EB7-D96BBC69C4EF}"/>
-              </a:ext>
-            </a:extLst>
-          </p:cNvPr>
+            <a:endParaRPr lang="en-US" dirty="0"/>
+          </a:p>
+        </p:txBody>
+      </p:sp>
+      <p:sp>
+        <p:nvSpPr>
+          <p:cNvPr id="5" name="Date Placeholder 4"/>
           <p:cNvSpPr>
             <a:spLocks noGrp="1"/>
           </p:cNvSpPr>
@@ -1403,7 +1239,7 @@
           <a:p>
             <a:fld id="{431BDD4E-32C7-1149-B0F2-A957CE1F2E36}" type="datetimeFigureOut">
               <a:rPr lang="en-US" smtClean="0"/>
-              <a:t>10/9/23</a:t>
+              <a:t>10/10/23</a:t>
             </a:fld>
             <a:endParaRPr lang="en-US"/>
           </a:p>
@@ -1411,13 +1247,7 @@
       </p:sp>
       <p:sp>
         <p:nvSpPr>
-          <p:cNvPr id="6" name="Footer Placeholder 5">
-            <a:extLst>
-              <a:ext uri="{FF2B5EF4-FFF2-40B4-BE49-F238E27FC236}">
-                <a16:creationId xmlns:a16="http://schemas.microsoft.com/office/drawing/2014/main" id="{CDC855F5-B812-7FB5-7CF0-84487A427052}"/>
-              </a:ext>
-            </a:extLst>
-          </p:cNvPr>
+          <p:cNvPr id="6" name="Footer Placeholder 5"/>
           <p:cNvSpPr>
             <a:spLocks noGrp="1"/>
           </p:cNvSpPr>
@@ -1436,13 +1266,7 @@
       </p:sp>
       <p:sp>
         <p:nvSpPr>
-          <p:cNvPr id="7" name="Slide Number Placeholder 6">
-            <a:extLst>
-              <a:ext uri="{FF2B5EF4-FFF2-40B4-BE49-F238E27FC236}">
-                <a16:creationId xmlns:a16="http://schemas.microsoft.com/office/drawing/2014/main" id="{1A327432-189B-3D11-8168-C216B15494F8}"/>
-              </a:ext>
-            </a:extLst>
-          </p:cNvPr>
+          <p:cNvPr id="7" name="Slide Number Placeholder 6"/>
           <p:cNvSpPr>
             <a:spLocks noGrp="1"/>
           </p:cNvSpPr>
@@ -1466,7 +1290,7 @@
     </p:spTree>
     <p:extLst>
       <p:ext uri="{BB962C8B-B14F-4D97-AF65-F5344CB8AC3E}">
-        <p14:creationId xmlns:p14="http://schemas.microsoft.com/office/powerpoint/2010/main" val="2567741872"/>
+        <p14:creationId xmlns:p14="http://schemas.microsoft.com/office/powerpoint/2010/main" val="64726456"/>
       </p:ext>
     </p:extLst>
   </p:cSld>
@@ -1495,13 +1319,7 @@
       </p:grpSpPr>
       <p:sp>
         <p:nvSpPr>
-          <p:cNvPr id="2" name="Title 1">
-            <a:extLst>
-              <a:ext uri="{FF2B5EF4-FFF2-40B4-BE49-F238E27FC236}">
-                <a16:creationId xmlns:a16="http://schemas.microsoft.com/office/drawing/2014/main" id="{BA2DACC9-8098-0108-4C10-7848E88CB0C9}"/>
-              </a:ext>
-            </a:extLst>
-          </p:cNvPr>
+          <p:cNvPr id="2" name="Title 1"/>
           <p:cNvSpPr>
             <a:spLocks noGrp="1"/>
           </p:cNvSpPr>
@@ -1511,8 +1329,8 @@
         </p:nvSpPr>
         <p:spPr>
           <a:xfrm>
-            <a:off x="839788" y="365125"/>
-            <a:ext cx="10515600" cy="1325563"/>
+            <a:off x="3149205" y="2434176"/>
+            <a:ext cx="39433500" cy="8837087"/>
           </a:xfrm>
         </p:spPr>
         <p:txBody>
@@ -1523,18 +1341,13 @@
               <a:rPr lang="en-US"/>
               <a:t>Click to edit Master title style</a:t>
             </a:r>
-          </a:p>
-        </p:txBody>
-      </p:sp>
-      <p:sp>
-        <p:nvSpPr>
-          <p:cNvPr id="3" name="Text Placeholder 2">
-            <a:extLst>
-              <a:ext uri="{FF2B5EF4-FFF2-40B4-BE49-F238E27FC236}">
-                <a16:creationId xmlns:a16="http://schemas.microsoft.com/office/drawing/2014/main" id="{C0F1EBB1-6F9D-27ED-3747-AECD2CD8B7AC}"/>
-              </a:ext>
-            </a:extLst>
-          </p:cNvPr>
+            <a:endParaRPr lang="en-US" dirty="0"/>
+          </a:p>
+        </p:txBody>
+      </p:sp>
+      <p:sp>
+        <p:nvSpPr>
+          <p:cNvPr id="3" name="Text Placeholder 2"/>
           <p:cNvSpPr>
             <a:spLocks noGrp="1"/>
           </p:cNvSpPr>
@@ -1544,8 +1357,8 @@
         </p:nvSpPr>
         <p:spPr>
           <a:xfrm>
-            <a:off x="839788" y="1681163"/>
-            <a:ext cx="5157787" cy="823912"/>
+            <a:off x="3149210" y="11207753"/>
+            <a:ext cx="19341700" cy="5492747"/>
           </a:xfrm>
         </p:spPr>
         <p:txBody>
@@ -1553,39 +1366,39 @@
           <a:lstStyle>
             <a:lvl1pPr marL="0" indent="0">
               <a:buNone/>
-              <a:defRPr sz="2400" b="1"/>
+              <a:defRPr sz="12000" b="1"/>
             </a:lvl1pPr>
-            <a:lvl2pPr marL="457200" indent="0">
-              <a:buNone/>
-              <a:defRPr sz="2000" b="1"/>
+            <a:lvl2pPr marL="2286000" indent="0">
+              <a:buNone/>
+              <a:defRPr sz="10000" b="1"/>
             </a:lvl2pPr>
-            <a:lvl3pPr marL="914400" indent="0">
-              <a:buNone/>
-              <a:defRPr sz="1800" b="1"/>
+            <a:lvl3pPr marL="4572000" indent="0">
+              <a:buNone/>
+              <a:defRPr sz="9000" b="1"/>
             </a:lvl3pPr>
-            <a:lvl4pPr marL="1371600" indent="0">
-              <a:buNone/>
-              <a:defRPr sz="1600" b="1"/>
+            <a:lvl4pPr marL="6858000" indent="0">
+              <a:buNone/>
+              <a:defRPr sz="8000" b="1"/>
             </a:lvl4pPr>
-            <a:lvl5pPr marL="1828800" indent="0">
-              <a:buNone/>
-              <a:defRPr sz="1600" b="1"/>
+            <a:lvl5pPr marL="9144000" indent="0">
+              <a:buNone/>
+              <a:defRPr sz="8000" b="1"/>
             </a:lvl5pPr>
-            <a:lvl6pPr marL="2286000" indent="0">
-              <a:buNone/>
-              <a:defRPr sz="1600" b="1"/>
+            <a:lvl6pPr marL="11430000" indent="0">
+              <a:buNone/>
+              <a:defRPr sz="8000" b="1"/>
             </a:lvl6pPr>
-            <a:lvl7pPr marL="2743200" indent="0">
-              <a:buNone/>
-              <a:defRPr sz="1600" b="1"/>
+            <a:lvl7pPr marL="13716000" indent="0">
+              <a:buNone/>
+              <a:defRPr sz="8000" b="1"/>
             </a:lvl7pPr>
-            <a:lvl8pPr marL="3200400" indent="0">
-              <a:buNone/>
-              <a:defRPr sz="1600" b="1"/>
+            <a:lvl8pPr marL="16002000" indent="0">
+              <a:buNone/>
+              <a:defRPr sz="8000" b="1"/>
             </a:lvl8pPr>
-            <a:lvl9pPr marL="3657600" indent="0">
-              <a:buNone/>
-              <a:defRPr sz="1600" b="1"/>
+            <a:lvl9pPr marL="18288000" indent="0">
+              <a:buNone/>
+              <a:defRPr sz="8000" b="1"/>
             </a:lvl9pPr>
           </a:lstStyle>
           <a:p>
@@ -1599,13 +1412,7 @@
       </p:sp>
       <p:sp>
         <p:nvSpPr>
-          <p:cNvPr id="4" name="Content Placeholder 3">
-            <a:extLst>
-              <a:ext uri="{FF2B5EF4-FFF2-40B4-BE49-F238E27FC236}">
-                <a16:creationId xmlns:a16="http://schemas.microsoft.com/office/drawing/2014/main" id="{BE91B220-C35D-3F40-E0A1-79DE1A962954}"/>
-              </a:ext>
-            </a:extLst>
-          </p:cNvPr>
+          <p:cNvPr id="4" name="Content Placeholder 3"/>
           <p:cNvSpPr>
             <a:spLocks noGrp="1"/>
           </p:cNvSpPr>
@@ -1615,8 +1422,8 @@
         </p:nvSpPr>
         <p:spPr>
           <a:xfrm>
-            <a:off x="839788" y="2505075"/>
-            <a:ext cx="5157787" cy="3684588"/>
+            <a:off x="3149210" y="16700500"/>
+            <a:ext cx="19341700" cy="24563920"/>
           </a:xfrm>
         </p:spPr>
         <p:txBody>
@@ -1656,18 +1463,13 @@
               <a:rPr lang="en-US"/>
               <a:t>Fifth level</a:t>
             </a:r>
-          </a:p>
-        </p:txBody>
-      </p:sp>
-      <p:sp>
-        <p:nvSpPr>
-          <p:cNvPr id="5" name="Text Placeholder 4">
-            <a:extLst>
-              <a:ext uri="{FF2B5EF4-FFF2-40B4-BE49-F238E27FC236}">
-                <a16:creationId xmlns:a16="http://schemas.microsoft.com/office/drawing/2014/main" id="{AF3A9629-DE17-CFB6-7F0E-496841F8B5D7}"/>
-              </a:ext>
-            </a:extLst>
-          </p:cNvPr>
+            <a:endParaRPr lang="en-US" dirty="0"/>
+          </a:p>
+        </p:txBody>
+      </p:sp>
+      <p:sp>
+        <p:nvSpPr>
+          <p:cNvPr id="5" name="Text Placeholder 4"/>
           <p:cNvSpPr>
             <a:spLocks noGrp="1"/>
           </p:cNvSpPr>
@@ -1677,8 +1479,8 @@
         </p:nvSpPr>
         <p:spPr>
           <a:xfrm>
-            <a:off x="6172200" y="1681163"/>
-            <a:ext cx="5183188" cy="823912"/>
+            <a:off x="23145752" y="11207753"/>
+            <a:ext cx="19436955" cy="5492747"/>
           </a:xfrm>
         </p:spPr>
         <p:txBody>
@@ -1686,39 +1488,39 @@
           <a:lstStyle>
             <a:lvl1pPr marL="0" indent="0">
               <a:buNone/>
-              <a:defRPr sz="2400" b="1"/>
+              <a:defRPr sz="12000" b="1"/>
             </a:lvl1pPr>
-            <a:lvl2pPr marL="457200" indent="0">
-              <a:buNone/>
-              <a:defRPr sz="2000" b="1"/>
+            <a:lvl2pPr marL="2286000" indent="0">
+              <a:buNone/>
+              <a:defRPr sz="10000" b="1"/>
             </a:lvl2pPr>
-            <a:lvl3pPr marL="914400" indent="0">
-              <a:buNone/>
-              <a:defRPr sz="1800" b="1"/>
+            <a:lvl3pPr marL="4572000" indent="0">
+              <a:buNone/>
+              <a:defRPr sz="9000" b="1"/>
             </a:lvl3pPr>
-            <a:lvl4pPr marL="1371600" indent="0">
-              <a:buNone/>
-              <a:defRPr sz="1600" b="1"/>
+            <a:lvl4pPr marL="6858000" indent="0">
+              <a:buNone/>
+              <a:defRPr sz="8000" b="1"/>
             </a:lvl4pPr>
-            <a:lvl5pPr marL="1828800" indent="0">
-              <a:buNone/>
-              <a:defRPr sz="1600" b="1"/>
+            <a:lvl5pPr marL="9144000" indent="0">
+              <a:buNone/>
+              <a:defRPr sz="8000" b="1"/>
             </a:lvl5pPr>
-            <a:lvl6pPr marL="2286000" indent="0">
-              <a:buNone/>
-              <a:defRPr sz="1600" b="1"/>
+            <a:lvl6pPr marL="11430000" indent="0">
+              <a:buNone/>
+              <a:defRPr sz="8000" b="1"/>
             </a:lvl6pPr>
-            <a:lvl7pPr marL="2743200" indent="0">
-              <a:buNone/>
-              <a:defRPr sz="1600" b="1"/>
+            <a:lvl7pPr marL="13716000" indent="0">
+              <a:buNone/>
+              <a:defRPr sz="8000" b="1"/>
             </a:lvl7pPr>
-            <a:lvl8pPr marL="3200400" indent="0">
-              <a:buNone/>
-              <a:defRPr sz="1600" b="1"/>
+            <a:lvl8pPr marL="16002000" indent="0">
+              <a:buNone/>
+              <a:defRPr sz="8000" b="1"/>
             </a:lvl8pPr>
-            <a:lvl9pPr marL="3657600" indent="0">
-              <a:buNone/>
-              <a:defRPr sz="1600" b="1"/>
+            <a:lvl9pPr marL="18288000" indent="0">
+              <a:buNone/>
+              <a:defRPr sz="8000" b="1"/>
             </a:lvl9pPr>
           </a:lstStyle>
           <a:p>
@@ -1732,13 +1534,7 @@
       </p:sp>
       <p:sp>
         <p:nvSpPr>
-          <p:cNvPr id="6" name="Content Placeholder 5">
-            <a:extLst>
-              <a:ext uri="{FF2B5EF4-FFF2-40B4-BE49-F238E27FC236}">
-                <a16:creationId xmlns:a16="http://schemas.microsoft.com/office/drawing/2014/main" id="{9DA0F41B-4FE7-F0A4-11FE-D62260193C0D}"/>
-              </a:ext>
-            </a:extLst>
-          </p:cNvPr>
+          <p:cNvPr id="6" name="Content Placeholder 5"/>
           <p:cNvSpPr>
             <a:spLocks noGrp="1"/>
           </p:cNvSpPr>
@@ -1748,8 +1544,8 @@
         </p:nvSpPr>
         <p:spPr>
           <a:xfrm>
-            <a:off x="6172200" y="2505075"/>
-            <a:ext cx="5183188" cy="3684588"/>
+            <a:off x="23145752" y="16700500"/>
+            <a:ext cx="19436955" cy="24563920"/>
           </a:xfrm>
         </p:spPr>
         <p:txBody>
@@ -1789,18 +1585,13 @@
               <a:rPr lang="en-US"/>
               <a:t>Fifth level</a:t>
             </a:r>
-          </a:p>
-        </p:txBody>
-      </p:sp>
-      <p:sp>
-        <p:nvSpPr>
-          <p:cNvPr id="7" name="Date Placeholder 6">
-            <a:extLst>
-              <a:ext uri="{FF2B5EF4-FFF2-40B4-BE49-F238E27FC236}">
-                <a16:creationId xmlns:a16="http://schemas.microsoft.com/office/drawing/2014/main" id="{00AD1C90-5EE2-3482-1397-1E2EDE115C86}"/>
-              </a:ext>
-            </a:extLst>
-          </p:cNvPr>
+            <a:endParaRPr lang="en-US" dirty="0"/>
+          </a:p>
+        </p:txBody>
+      </p:sp>
+      <p:sp>
+        <p:nvSpPr>
+          <p:cNvPr id="7" name="Date Placeholder 6"/>
           <p:cNvSpPr>
             <a:spLocks noGrp="1"/>
           </p:cNvSpPr>
@@ -1815,7 +1606,7 @@
           <a:p>
             <a:fld id="{431BDD4E-32C7-1149-B0F2-A957CE1F2E36}" type="datetimeFigureOut">
               <a:rPr lang="en-US" smtClean="0"/>
-              <a:t>10/9/23</a:t>
+              <a:t>10/10/23</a:t>
             </a:fld>
             <a:endParaRPr lang="en-US"/>
           </a:p>
@@ -1823,13 +1614,7 @@
       </p:sp>
       <p:sp>
         <p:nvSpPr>
-          <p:cNvPr id="8" name="Footer Placeholder 7">
-            <a:extLst>
-              <a:ext uri="{FF2B5EF4-FFF2-40B4-BE49-F238E27FC236}">
-                <a16:creationId xmlns:a16="http://schemas.microsoft.com/office/drawing/2014/main" id="{55D46B8B-4065-231C-0194-931AF7FCCC14}"/>
-              </a:ext>
-            </a:extLst>
-          </p:cNvPr>
+          <p:cNvPr id="8" name="Footer Placeholder 7"/>
           <p:cNvSpPr>
             <a:spLocks noGrp="1"/>
           </p:cNvSpPr>
@@ -1848,13 +1633,7 @@
       </p:sp>
       <p:sp>
         <p:nvSpPr>
-          <p:cNvPr id="9" name="Slide Number Placeholder 8">
-            <a:extLst>
-              <a:ext uri="{FF2B5EF4-FFF2-40B4-BE49-F238E27FC236}">
-                <a16:creationId xmlns:a16="http://schemas.microsoft.com/office/drawing/2014/main" id="{46D98042-5539-27E9-BE5A-701134864F4B}"/>
-              </a:ext>
-            </a:extLst>
-          </p:cNvPr>
+          <p:cNvPr id="9" name="Slide Number Placeholder 8"/>
           <p:cNvSpPr>
             <a:spLocks noGrp="1"/>
           </p:cNvSpPr>
@@ -1878,7 +1657,7 @@
     </p:spTree>
     <p:extLst>
       <p:ext uri="{BB962C8B-B14F-4D97-AF65-F5344CB8AC3E}">
-        <p14:creationId xmlns:p14="http://schemas.microsoft.com/office/powerpoint/2010/main" val="3673118516"/>
+        <p14:creationId xmlns:p14="http://schemas.microsoft.com/office/powerpoint/2010/main" val="2337355545"/>
       </p:ext>
     </p:extLst>
   </p:cSld>
@@ -1907,13 +1686,7 @@
       </p:grpSpPr>
       <p:sp>
         <p:nvSpPr>
-          <p:cNvPr id="2" name="Title 1">
-            <a:extLst>
-              <a:ext uri="{FF2B5EF4-FFF2-40B4-BE49-F238E27FC236}">
-                <a16:creationId xmlns:a16="http://schemas.microsoft.com/office/drawing/2014/main" id="{2DE44C89-65A5-2920-EE1C-45E1294A8C62}"/>
-              </a:ext>
-            </a:extLst>
-          </p:cNvPr>
+          <p:cNvPr id="2" name="Title 1"/>
           <p:cNvSpPr>
             <a:spLocks noGrp="1"/>
           </p:cNvSpPr>
@@ -1930,18 +1703,13 @@
               <a:rPr lang="en-US"/>
               <a:t>Click to edit Master title style</a:t>
             </a:r>
-          </a:p>
-        </p:txBody>
-      </p:sp>
-      <p:sp>
-        <p:nvSpPr>
-          <p:cNvPr id="3" name="Date Placeholder 2">
-            <a:extLst>
-              <a:ext uri="{FF2B5EF4-FFF2-40B4-BE49-F238E27FC236}">
-                <a16:creationId xmlns:a16="http://schemas.microsoft.com/office/drawing/2014/main" id="{C10C70EB-896A-6503-C7B5-68527848C0A7}"/>
-              </a:ext>
-            </a:extLst>
-          </p:cNvPr>
+            <a:endParaRPr lang="en-US" dirty="0"/>
+          </a:p>
+        </p:txBody>
+      </p:sp>
+      <p:sp>
+        <p:nvSpPr>
+          <p:cNvPr id="3" name="Date Placeholder 2"/>
           <p:cNvSpPr>
             <a:spLocks noGrp="1"/>
           </p:cNvSpPr>
@@ -1956,7 +1724,7 @@
           <a:p>
             <a:fld id="{431BDD4E-32C7-1149-B0F2-A957CE1F2E36}" type="datetimeFigureOut">
               <a:rPr lang="en-US" smtClean="0"/>
-              <a:t>10/9/23</a:t>
+              <a:t>10/10/23</a:t>
             </a:fld>
             <a:endParaRPr lang="en-US"/>
           </a:p>
@@ -1964,13 +1732,7 @@
       </p:sp>
       <p:sp>
         <p:nvSpPr>
-          <p:cNvPr id="4" name="Footer Placeholder 3">
-            <a:extLst>
-              <a:ext uri="{FF2B5EF4-FFF2-40B4-BE49-F238E27FC236}">
-                <a16:creationId xmlns:a16="http://schemas.microsoft.com/office/drawing/2014/main" id="{954FAD22-8516-388C-435F-33E786202E63}"/>
-              </a:ext>
-            </a:extLst>
-          </p:cNvPr>
+          <p:cNvPr id="4" name="Footer Placeholder 3"/>
           <p:cNvSpPr>
             <a:spLocks noGrp="1"/>
           </p:cNvSpPr>
@@ -1989,13 +1751,7 @@
       </p:sp>
       <p:sp>
         <p:nvSpPr>
-          <p:cNvPr id="5" name="Slide Number Placeholder 4">
-            <a:extLst>
-              <a:ext uri="{FF2B5EF4-FFF2-40B4-BE49-F238E27FC236}">
-                <a16:creationId xmlns:a16="http://schemas.microsoft.com/office/drawing/2014/main" id="{78CC59B8-635F-738B-0BF5-22EDB934F4EE}"/>
-              </a:ext>
-            </a:extLst>
-          </p:cNvPr>
+          <p:cNvPr id="5" name="Slide Number Placeholder 4"/>
           <p:cNvSpPr>
             <a:spLocks noGrp="1"/>
           </p:cNvSpPr>
@@ -2019,7 +1775,7 @@
     </p:spTree>
     <p:extLst>
       <p:ext uri="{BB962C8B-B14F-4D97-AF65-F5344CB8AC3E}">
-        <p14:creationId xmlns:p14="http://schemas.microsoft.com/office/powerpoint/2010/main" val="3552528182"/>
+        <p14:creationId xmlns:p14="http://schemas.microsoft.com/office/powerpoint/2010/main" val="3359448569"/>
       </p:ext>
     </p:extLst>
   </p:cSld>
@@ -2048,13 +1804,7 @@
       </p:grpSpPr>
       <p:sp>
         <p:nvSpPr>
-          <p:cNvPr id="2" name="Date Placeholder 1">
-            <a:extLst>
-              <a:ext uri="{FF2B5EF4-FFF2-40B4-BE49-F238E27FC236}">
-                <a16:creationId xmlns:a16="http://schemas.microsoft.com/office/drawing/2014/main" id="{9A6E18AC-8855-6744-BD8C-71E43C255575}"/>
-              </a:ext>
-            </a:extLst>
-          </p:cNvPr>
+          <p:cNvPr id="2" name="Date Placeholder 1"/>
           <p:cNvSpPr>
             <a:spLocks noGrp="1"/>
           </p:cNvSpPr>
@@ -2069,7 +1819,7 @@
           <a:p>
             <a:fld id="{431BDD4E-32C7-1149-B0F2-A957CE1F2E36}" type="datetimeFigureOut">
               <a:rPr lang="en-US" smtClean="0"/>
-              <a:t>10/9/23</a:t>
+              <a:t>10/10/23</a:t>
             </a:fld>
             <a:endParaRPr lang="en-US"/>
           </a:p>
@@ -2077,13 +1827,7 @@
       </p:sp>
       <p:sp>
         <p:nvSpPr>
-          <p:cNvPr id="3" name="Footer Placeholder 2">
-            <a:extLst>
-              <a:ext uri="{FF2B5EF4-FFF2-40B4-BE49-F238E27FC236}">
-                <a16:creationId xmlns:a16="http://schemas.microsoft.com/office/drawing/2014/main" id="{FD2725E6-CB74-5656-F880-1B43B6D16DA7}"/>
-              </a:ext>
-            </a:extLst>
-          </p:cNvPr>
+          <p:cNvPr id="3" name="Footer Placeholder 2"/>
           <p:cNvSpPr>
             <a:spLocks noGrp="1"/>
           </p:cNvSpPr>
@@ -2102,13 +1846,7 @@
       </p:sp>
       <p:sp>
         <p:nvSpPr>
-          <p:cNvPr id="4" name="Slide Number Placeholder 3">
-            <a:extLst>
-              <a:ext uri="{FF2B5EF4-FFF2-40B4-BE49-F238E27FC236}">
-                <a16:creationId xmlns:a16="http://schemas.microsoft.com/office/drawing/2014/main" id="{E1FAC399-1CB7-9703-698B-E446B5B763A7}"/>
-              </a:ext>
-            </a:extLst>
-          </p:cNvPr>
+          <p:cNvPr id="4" name="Slide Number Placeholder 3"/>
           <p:cNvSpPr>
             <a:spLocks noGrp="1"/>
           </p:cNvSpPr>
@@ -2132,7 +1870,7 @@
     </p:spTree>
     <p:extLst>
       <p:ext uri="{BB962C8B-B14F-4D97-AF65-F5344CB8AC3E}">
-        <p14:creationId xmlns:p14="http://schemas.microsoft.com/office/powerpoint/2010/main" val="1250613675"/>
+        <p14:creationId xmlns:p14="http://schemas.microsoft.com/office/powerpoint/2010/main" val="201735121"/>
       </p:ext>
     </p:extLst>
   </p:cSld>
@@ -2161,13 +1899,7 @@
       </p:grpSpPr>
       <p:sp>
         <p:nvSpPr>
-          <p:cNvPr id="2" name="Title 1">
-            <a:extLst>
-              <a:ext uri="{FF2B5EF4-FFF2-40B4-BE49-F238E27FC236}">
-                <a16:creationId xmlns:a16="http://schemas.microsoft.com/office/drawing/2014/main" id="{48CB016D-FC76-0C4E-D5D1-D305F1CDF06E}"/>
-              </a:ext>
-            </a:extLst>
-          </p:cNvPr>
+          <p:cNvPr id="2" name="Title 1"/>
           <p:cNvSpPr>
             <a:spLocks noGrp="1"/>
           </p:cNvSpPr>
@@ -2177,15 +1909,15 @@
         </p:nvSpPr>
         <p:spPr>
           <a:xfrm>
-            <a:off x="839788" y="457200"/>
-            <a:ext cx="3932237" cy="1600200"/>
+            <a:off x="3149205" y="3048000"/>
+            <a:ext cx="14745890" cy="10668000"/>
           </a:xfrm>
         </p:spPr>
         <p:txBody>
           <a:bodyPr anchor="b"/>
           <a:lstStyle>
             <a:lvl1pPr>
-              <a:defRPr sz="3200"/>
+              <a:defRPr sz="16000"/>
             </a:lvl1pPr>
           </a:lstStyle>
           <a:p>
@@ -2193,18 +1925,13 @@
               <a:rPr lang="en-US"/>
               <a:t>Click to edit Master title style</a:t>
             </a:r>
-          </a:p>
-        </p:txBody>
-      </p:sp>
-      <p:sp>
-        <p:nvSpPr>
-          <p:cNvPr id="3" name="Content Placeholder 2">
-            <a:extLst>
-              <a:ext uri="{FF2B5EF4-FFF2-40B4-BE49-F238E27FC236}">
-                <a16:creationId xmlns:a16="http://schemas.microsoft.com/office/drawing/2014/main" id="{72C6FE68-A43B-38AD-4A81-B513B16EAF14}"/>
-              </a:ext>
-            </a:extLst>
-          </p:cNvPr>
+            <a:endParaRPr lang="en-US" dirty="0"/>
+          </a:p>
+        </p:txBody>
+      </p:sp>
+      <p:sp>
+        <p:nvSpPr>
+          <p:cNvPr id="3" name="Content Placeholder 2"/>
           <p:cNvSpPr>
             <a:spLocks noGrp="1"/>
           </p:cNvSpPr>
@@ -2214,39 +1941,39 @@
         </p:nvSpPr>
         <p:spPr>
           <a:xfrm>
-            <a:off x="5183188" y="987425"/>
-            <a:ext cx="6172200" cy="4873625"/>
+            <a:off x="19436955" y="6582843"/>
+            <a:ext cx="23145750" cy="32490833"/>
           </a:xfrm>
         </p:spPr>
         <p:txBody>
           <a:bodyPr/>
           <a:lstStyle>
             <a:lvl1pPr>
-              <a:defRPr sz="3200"/>
+              <a:defRPr sz="16000"/>
             </a:lvl1pPr>
             <a:lvl2pPr>
-              <a:defRPr sz="2800"/>
+              <a:defRPr sz="14000"/>
             </a:lvl2pPr>
             <a:lvl3pPr>
-              <a:defRPr sz="2400"/>
+              <a:defRPr sz="12000"/>
             </a:lvl3pPr>
             <a:lvl4pPr>
-              <a:defRPr sz="2000"/>
+              <a:defRPr sz="10000"/>
             </a:lvl4pPr>
             <a:lvl5pPr>
-              <a:defRPr sz="2000"/>
+              <a:defRPr sz="10000"/>
             </a:lvl5pPr>
             <a:lvl6pPr>
-              <a:defRPr sz="2000"/>
+              <a:defRPr sz="10000"/>
             </a:lvl6pPr>
             <a:lvl7pPr>
-              <a:defRPr sz="2000"/>
+              <a:defRPr sz="10000"/>
             </a:lvl7pPr>
             <a:lvl8pPr>
-              <a:defRPr sz="2000"/>
+              <a:defRPr sz="10000"/>
             </a:lvl8pPr>
             <a:lvl9pPr>
-              <a:defRPr sz="2000"/>
+              <a:defRPr sz="10000"/>
             </a:lvl9pPr>
           </a:lstStyle>
           <a:p>
@@ -2283,18 +2010,13 @@
               <a:rPr lang="en-US"/>
               <a:t>Fifth level</a:t>
             </a:r>
-          </a:p>
-        </p:txBody>
-      </p:sp>
-      <p:sp>
-        <p:nvSpPr>
-          <p:cNvPr id="4" name="Text Placeholder 3">
-            <a:extLst>
-              <a:ext uri="{FF2B5EF4-FFF2-40B4-BE49-F238E27FC236}">
-                <a16:creationId xmlns:a16="http://schemas.microsoft.com/office/drawing/2014/main" id="{E188E290-B55E-BB5F-090E-6EC7BC0939EE}"/>
-              </a:ext>
-            </a:extLst>
-          </p:cNvPr>
+            <a:endParaRPr lang="en-US" dirty="0"/>
+          </a:p>
+        </p:txBody>
+      </p:sp>
+      <p:sp>
+        <p:nvSpPr>
+          <p:cNvPr id="4" name="Text Placeholder 3"/>
           <p:cNvSpPr>
             <a:spLocks noGrp="1"/>
           </p:cNvSpPr>
@@ -2304,8 +2026,8 @@
         </p:nvSpPr>
         <p:spPr>
           <a:xfrm>
-            <a:off x="839788" y="2057400"/>
-            <a:ext cx="3932237" cy="3811588"/>
+            <a:off x="3149205" y="13716000"/>
+            <a:ext cx="14745890" cy="25410587"/>
           </a:xfrm>
         </p:spPr>
         <p:txBody>
@@ -2313,39 +2035,39 @@
           <a:lstStyle>
             <a:lvl1pPr marL="0" indent="0">
               <a:buNone/>
-              <a:defRPr sz="1600"/>
+              <a:defRPr sz="8000"/>
             </a:lvl1pPr>
-            <a:lvl2pPr marL="457200" indent="0">
-              <a:buNone/>
-              <a:defRPr sz="1400"/>
+            <a:lvl2pPr marL="2286000" indent="0">
+              <a:buNone/>
+              <a:defRPr sz="7000"/>
             </a:lvl2pPr>
-            <a:lvl3pPr marL="914400" indent="0">
-              <a:buNone/>
-              <a:defRPr sz="1200"/>
+            <a:lvl3pPr marL="4572000" indent="0">
+              <a:buNone/>
+              <a:defRPr sz="6000"/>
             </a:lvl3pPr>
-            <a:lvl4pPr marL="1371600" indent="0">
-              <a:buNone/>
-              <a:defRPr sz="1000"/>
+            <a:lvl4pPr marL="6858000" indent="0">
+              <a:buNone/>
+              <a:defRPr sz="5000"/>
             </a:lvl4pPr>
-            <a:lvl5pPr marL="1828800" indent="0">
-              <a:buNone/>
-              <a:defRPr sz="1000"/>
+            <a:lvl5pPr marL="9144000" indent="0">
+              <a:buNone/>
+              <a:defRPr sz="5000"/>
             </a:lvl5pPr>
-            <a:lvl6pPr marL="2286000" indent="0">
-              <a:buNone/>
-              <a:defRPr sz="1000"/>
+            <a:lvl6pPr marL="11430000" indent="0">
+              <a:buNone/>
+              <a:defRPr sz="5000"/>
             </a:lvl6pPr>
-            <a:lvl7pPr marL="2743200" indent="0">
-              <a:buNone/>
-              <a:defRPr sz="1000"/>
+            <a:lvl7pPr marL="13716000" indent="0">
+              <a:buNone/>
+              <a:defRPr sz="5000"/>
             </a:lvl7pPr>
-            <a:lvl8pPr marL="3200400" indent="0">
-              <a:buNone/>
-              <a:defRPr sz="1000"/>
+            <a:lvl8pPr marL="16002000" indent="0">
+              <a:buNone/>
+              <a:defRPr sz="5000"/>
             </a:lvl8pPr>
-            <a:lvl9pPr marL="3657600" indent="0">
-              <a:buNone/>
-              <a:defRPr sz="1000"/>
+            <a:lvl9pPr marL="18288000" indent="0">
+              <a:buNone/>
+              <a:defRPr sz="5000"/>
             </a:lvl9pPr>
           </a:lstStyle>
           <a:p>
@@ -2359,13 +2081,7 @@
       </p:sp>
       <p:sp>
         <p:nvSpPr>
-          <p:cNvPr id="5" name="Date Placeholder 4">
-            <a:extLst>
-              <a:ext uri="{FF2B5EF4-FFF2-40B4-BE49-F238E27FC236}">
-                <a16:creationId xmlns:a16="http://schemas.microsoft.com/office/drawing/2014/main" id="{5901563F-7689-9A0B-E74F-F815B7B90136}"/>
-              </a:ext>
-            </a:extLst>
-          </p:cNvPr>
+          <p:cNvPr id="5" name="Date Placeholder 4"/>
           <p:cNvSpPr>
             <a:spLocks noGrp="1"/>
           </p:cNvSpPr>
@@ -2380,7 +2096,7 @@
           <a:p>
             <a:fld id="{431BDD4E-32C7-1149-B0F2-A957CE1F2E36}" type="datetimeFigureOut">
               <a:rPr lang="en-US" smtClean="0"/>
-              <a:t>10/9/23</a:t>
+              <a:t>10/10/23</a:t>
             </a:fld>
             <a:endParaRPr lang="en-US"/>
           </a:p>
@@ -2388,13 +2104,7 @@
       </p:sp>
       <p:sp>
         <p:nvSpPr>
-          <p:cNvPr id="6" name="Footer Placeholder 5">
-            <a:extLst>
-              <a:ext uri="{FF2B5EF4-FFF2-40B4-BE49-F238E27FC236}">
-                <a16:creationId xmlns:a16="http://schemas.microsoft.com/office/drawing/2014/main" id="{656D60C4-FA5C-6AD8-EF58-47317E059ECA}"/>
-              </a:ext>
-            </a:extLst>
-          </p:cNvPr>
+          <p:cNvPr id="6" name="Footer Placeholder 5"/>
           <p:cNvSpPr>
             <a:spLocks noGrp="1"/>
           </p:cNvSpPr>
@@ -2413,13 +2123,7 @@
       </p:sp>
       <p:sp>
         <p:nvSpPr>
-          <p:cNvPr id="7" name="Slide Number Placeholder 6">
-            <a:extLst>
-              <a:ext uri="{FF2B5EF4-FFF2-40B4-BE49-F238E27FC236}">
-                <a16:creationId xmlns:a16="http://schemas.microsoft.com/office/drawing/2014/main" id="{FE7E8405-7F69-D841-59B8-5C6686CCA1F2}"/>
-              </a:ext>
-            </a:extLst>
-          </p:cNvPr>
+          <p:cNvPr id="7" name="Slide Number Placeholder 6"/>
           <p:cNvSpPr>
             <a:spLocks noGrp="1"/>
           </p:cNvSpPr>
@@ -2443,7 +2147,7 @@
     </p:spTree>
     <p:extLst>
       <p:ext uri="{BB962C8B-B14F-4D97-AF65-F5344CB8AC3E}">
-        <p14:creationId xmlns:p14="http://schemas.microsoft.com/office/powerpoint/2010/main" val="1299383061"/>
+        <p14:creationId xmlns:p14="http://schemas.microsoft.com/office/powerpoint/2010/main" val="2641497127"/>
       </p:ext>
     </p:extLst>
   </p:cSld>
@@ -2472,13 +2176,7 @@
       </p:grpSpPr>
       <p:sp>
         <p:nvSpPr>
-          <p:cNvPr id="2" name="Title 1">
-            <a:extLst>
-              <a:ext uri="{FF2B5EF4-FFF2-40B4-BE49-F238E27FC236}">
-                <a16:creationId xmlns:a16="http://schemas.microsoft.com/office/drawing/2014/main" id="{CC8A477B-F0DB-8837-A814-5AB6C73CDC13}"/>
-              </a:ext>
-            </a:extLst>
-          </p:cNvPr>
+          <p:cNvPr id="2" name="Title 1"/>
           <p:cNvSpPr>
             <a:spLocks noGrp="1"/>
           </p:cNvSpPr>
@@ -2488,15 +2186,15 @@
         </p:nvSpPr>
         <p:spPr>
           <a:xfrm>
-            <a:off x="839788" y="457200"/>
-            <a:ext cx="3932237" cy="1600200"/>
+            <a:off x="3149205" y="3048000"/>
+            <a:ext cx="14745890" cy="10668000"/>
           </a:xfrm>
         </p:spPr>
         <p:txBody>
           <a:bodyPr anchor="b"/>
           <a:lstStyle>
             <a:lvl1pPr>
-              <a:defRPr sz="3200"/>
+              <a:defRPr sz="16000"/>
             </a:lvl1pPr>
           </a:lstStyle>
           <a:p>
@@ -2504,20 +2202,15 @@
               <a:rPr lang="en-US"/>
               <a:t>Click to edit Master title style</a:t>
             </a:r>
-          </a:p>
-        </p:txBody>
-      </p:sp>
-      <p:sp>
-        <p:nvSpPr>
-          <p:cNvPr id="3" name="Picture Placeholder 2">
-            <a:extLst>
-              <a:ext uri="{FF2B5EF4-FFF2-40B4-BE49-F238E27FC236}">
-                <a16:creationId xmlns:a16="http://schemas.microsoft.com/office/drawing/2014/main" id="{B91C2AB1-CE58-526D-FE07-53EEFD08D23E}"/>
-              </a:ext>
-            </a:extLst>
-          </p:cNvPr>
-          <p:cNvSpPr>
-            <a:spLocks noGrp="1"/>
+            <a:endParaRPr lang="en-US" dirty="0"/>
+          </a:p>
+        </p:txBody>
+      </p:sp>
+      <p:sp>
+        <p:nvSpPr>
+          <p:cNvPr id="3" name="Picture Placeholder 2"/>
+          <p:cNvSpPr>
+            <a:spLocks noGrp="1" noChangeAspect="1"/>
           </p:cNvSpPr>
           <p:nvPr>
             <p:ph type="pic" idx="1"/>
@@ -2525,64 +2218,62 @@
         </p:nvSpPr>
         <p:spPr>
           <a:xfrm>
-            <a:off x="5183188" y="987425"/>
-            <a:ext cx="6172200" cy="4873625"/>
+            <a:off x="19436955" y="6582843"/>
+            <a:ext cx="23145750" cy="32490833"/>
           </a:xfrm>
         </p:spPr>
         <p:txBody>
-          <a:bodyPr/>
+          <a:bodyPr anchor="t"/>
           <a:lstStyle>
             <a:lvl1pPr marL="0" indent="0">
               <a:buNone/>
-              <a:defRPr sz="3200"/>
+              <a:defRPr sz="16000"/>
             </a:lvl1pPr>
-            <a:lvl2pPr marL="457200" indent="0">
-              <a:buNone/>
-              <a:defRPr sz="2800"/>
+            <a:lvl2pPr marL="2286000" indent="0">
+              <a:buNone/>
+              <a:defRPr sz="14000"/>
             </a:lvl2pPr>
-            <a:lvl3pPr marL="914400" indent="0">
-              <a:buNone/>
-              <a:defRPr sz="2400"/>
+            <a:lvl3pPr marL="4572000" indent="0">
+              <a:buNone/>
+              <a:defRPr sz="12000"/>
             </a:lvl3pPr>
-            <a:lvl4pPr marL="1371600" indent="0">
-              <a:buNone/>
-              <a:defRPr sz="2000"/>
+            <a:lvl4pPr marL="6858000" indent="0">
+              <a:buNone/>
+              <a:defRPr sz="10000"/>
             </a:lvl4pPr>
-            <a:lvl5pPr marL="1828800" indent="0">
-              <a:buNone/>
-              <a:defRPr sz="2000"/>
+            <a:lvl5pPr marL="9144000" indent="0">
+              <a:buNone/>
+              <a:defRPr sz="10000"/>
             </a:lvl5pPr>
-            <a:lvl6pPr marL="2286000" indent="0">
-              <a:buNone/>
-              <a:defRPr sz="2000"/>
+            <a:lvl6pPr marL="11430000" indent="0">
+              <a:buNone/>
+              <a:defRPr sz="10000"/>
             </a:lvl6pPr>
-            <a:lvl7pPr marL="2743200" indent="0">
-              <a:buNone/>
-              <a:defRPr sz="2000"/>
+            <a:lvl7pPr marL="13716000" indent="0">
+              <a:buNone/>
+              <a:defRPr sz="10000"/>
             </a:lvl7pPr>
-            <a:lvl8pPr marL="3200400" indent="0">
-              <a:buNone/>
-              <a:defRPr sz="2000"/>
+            <a:lvl8pPr marL="16002000" indent="0">
+              <a:buNone/>
+              <a:defRPr sz="10000"/>
             </a:lvl8pPr>
-            <a:lvl9pPr marL="3657600" indent="0">
-              <a:buNone/>
-              <a:defRPr sz="2000"/>
+            <a:lvl9pPr marL="18288000" indent="0">
+              <a:buNone/>
+              <a:defRPr sz="10000"/>
             </a:lvl9pPr>
           </a:lstStyle>
           <a:p>
-            <a:endParaRPr lang="en-US"/>
-          </a:p>
-        </p:txBody>
-      </p:sp>
-      <p:sp>
-        <p:nvSpPr>
-          <p:cNvPr id="4" name="Text Placeholder 3">
-            <a:extLst>
-              <a:ext uri="{FF2B5EF4-FFF2-40B4-BE49-F238E27FC236}">
-                <a16:creationId xmlns:a16="http://schemas.microsoft.com/office/drawing/2014/main" id="{D8CADB5A-95B0-04FC-D687-00FBD2592BB8}"/>
-              </a:ext>
-            </a:extLst>
-          </p:cNvPr>
+            <a:r>
+              <a:rPr lang="en-US"/>
+              <a:t>Click icon to add picture</a:t>
+            </a:r>
+            <a:endParaRPr lang="en-US" dirty="0"/>
+          </a:p>
+        </p:txBody>
+      </p:sp>
+      <p:sp>
+        <p:nvSpPr>
+          <p:cNvPr id="4" name="Text Placeholder 3"/>
           <p:cNvSpPr>
             <a:spLocks noGrp="1"/>
           </p:cNvSpPr>
@@ -2592,8 +2283,8 @@
         </p:nvSpPr>
         <p:spPr>
           <a:xfrm>
-            <a:off x="839788" y="2057400"/>
-            <a:ext cx="3932237" cy="3811588"/>
+            <a:off x="3149205" y="13716000"/>
+            <a:ext cx="14745890" cy="25410587"/>
           </a:xfrm>
         </p:spPr>
         <p:txBody>
@@ -2601,39 +2292,39 @@
           <a:lstStyle>
             <a:lvl1pPr marL="0" indent="0">
               <a:buNone/>
-              <a:defRPr sz="1600"/>
+              <a:defRPr sz="8000"/>
             </a:lvl1pPr>
-            <a:lvl2pPr marL="457200" indent="0">
-              <a:buNone/>
-              <a:defRPr sz="1400"/>
+            <a:lvl2pPr marL="2286000" indent="0">
+              <a:buNone/>
+              <a:defRPr sz="7000"/>
             </a:lvl2pPr>
-            <a:lvl3pPr marL="914400" indent="0">
-              <a:buNone/>
-              <a:defRPr sz="1200"/>
+            <a:lvl3pPr marL="4572000" indent="0">
+              <a:buNone/>
+              <a:defRPr sz="6000"/>
             </a:lvl3pPr>
-            <a:lvl4pPr marL="1371600" indent="0">
-              <a:buNone/>
-              <a:defRPr sz="1000"/>
+            <a:lvl4pPr marL="6858000" indent="0">
+              <a:buNone/>
+              <a:defRPr sz="5000"/>
             </a:lvl4pPr>
-            <a:lvl5pPr marL="1828800" indent="0">
-              <a:buNone/>
-              <a:defRPr sz="1000"/>
+            <a:lvl5pPr marL="9144000" indent="0">
+              <a:buNone/>
+              <a:defRPr sz="5000"/>
             </a:lvl5pPr>
-            <a:lvl6pPr marL="2286000" indent="0">
-              <a:buNone/>
-              <a:defRPr sz="1000"/>
+            <a:lvl6pPr marL="11430000" indent="0">
+              <a:buNone/>
+              <a:defRPr sz="5000"/>
             </a:lvl6pPr>
-            <a:lvl7pPr marL="2743200" indent="0">
-              <a:buNone/>
-              <a:defRPr sz="1000"/>
+            <a:lvl7pPr marL="13716000" indent="0">
+              <a:buNone/>
+              <a:defRPr sz="5000"/>
             </a:lvl7pPr>
-            <a:lvl8pPr marL="3200400" indent="0">
-              <a:buNone/>
-              <a:defRPr sz="1000"/>
+            <a:lvl8pPr marL="16002000" indent="0">
+              <a:buNone/>
+              <a:defRPr sz="5000"/>
             </a:lvl8pPr>
-            <a:lvl9pPr marL="3657600" indent="0">
-              <a:buNone/>
-              <a:defRPr sz="1000"/>
+            <a:lvl9pPr marL="18288000" indent="0">
+              <a:buNone/>
+              <a:defRPr sz="5000"/>
             </a:lvl9pPr>
           </a:lstStyle>
           <a:p>
@@ -2647,13 +2338,7 @@
       </p:sp>
       <p:sp>
         <p:nvSpPr>
-          <p:cNvPr id="5" name="Date Placeholder 4">
-            <a:extLst>
-              <a:ext uri="{FF2B5EF4-FFF2-40B4-BE49-F238E27FC236}">
-                <a16:creationId xmlns:a16="http://schemas.microsoft.com/office/drawing/2014/main" id="{7FFD3142-FF92-6075-883C-2AD6DF577DC3}"/>
-              </a:ext>
-            </a:extLst>
-          </p:cNvPr>
+          <p:cNvPr id="5" name="Date Placeholder 4"/>
           <p:cNvSpPr>
             <a:spLocks noGrp="1"/>
           </p:cNvSpPr>
@@ -2668,7 +2353,7 @@
           <a:p>
             <a:fld id="{431BDD4E-32C7-1149-B0F2-A957CE1F2E36}" type="datetimeFigureOut">
               <a:rPr lang="en-US" smtClean="0"/>
-              <a:t>10/9/23</a:t>
+              <a:t>10/10/23</a:t>
             </a:fld>
             <a:endParaRPr lang="en-US"/>
           </a:p>
@@ -2676,13 +2361,7 @@
       </p:sp>
       <p:sp>
         <p:nvSpPr>
-          <p:cNvPr id="6" name="Footer Placeholder 5">
-            <a:extLst>
-              <a:ext uri="{FF2B5EF4-FFF2-40B4-BE49-F238E27FC236}">
-                <a16:creationId xmlns:a16="http://schemas.microsoft.com/office/drawing/2014/main" id="{A394E5B6-00FC-FBDE-92E1-54A31C7FCF97}"/>
-              </a:ext>
-            </a:extLst>
-          </p:cNvPr>
+          <p:cNvPr id="6" name="Footer Placeholder 5"/>
           <p:cNvSpPr>
             <a:spLocks noGrp="1"/>
           </p:cNvSpPr>
@@ -2701,13 +2380,7 @@
       </p:sp>
       <p:sp>
         <p:nvSpPr>
-          <p:cNvPr id="7" name="Slide Number Placeholder 6">
-            <a:extLst>
-              <a:ext uri="{FF2B5EF4-FFF2-40B4-BE49-F238E27FC236}">
-                <a16:creationId xmlns:a16="http://schemas.microsoft.com/office/drawing/2014/main" id="{F78E98D5-1332-5192-B542-911950F3AA41}"/>
-              </a:ext>
-            </a:extLst>
-          </p:cNvPr>
+          <p:cNvPr id="7" name="Slide Number Placeholder 6"/>
           <p:cNvSpPr>
             <a:spLocks noGrp="1"/>
           </p:cNvSpPr>
@@ -2731,7 +2404,7 @@
     </p:spTree>
     <p:extLst>
       <p:ext uri="{BB962C8B-B14F-4D97-AF65-F5344CB8AC3E}">
-        <p14:creationId xmlns:p14="http://schemas.microsoft.com/office/powerpoint/2010/main" val="2372044614"/>
+        <p14:creationId xmlns:p14="http://schemas.microsoft.com/office/powerpoint/2010/main" val="2836101215"/>
       </p:ext>
     </p:extLst>
   </p:cSld>
@@ -2765,13 +2438,7 @@
       </p:grpSpPr>
       <p:sp>
         <p:nvSpPr>
-          <p:cNvPr id="2" name="Title Placeholder 1">
-            <a:extLst>
-              <a:ext uri="{FF2B5EF4-FFF2-40B4-BE49-F238E27FC236}">
-                <a16:creationId xmlns:a16="http://schemas.microsoft.com/office/drawing/2014/main" id="{E86CBBF6-DC45-09E7-A54A-91D056F1B969}"/>
-              </a:ext>
-            </a:extLst>
-          </p:cNvPr>
+          <p:cNvPr id="2" name="Title Placeholder 1"/>
           <p:cNvSpPr>
             <a:spLocks noGrp="1"/>
           </p:cNvSpPr>
@@ -2781,8 +2448,8 @@
         </p:nvSpPr>
         <p:spPr>
           <a:xfrm>
-            <a:off x="838200" y="365125"/>
-            <a:ext cx="10515600" cy="1325563"/>
+            <a:off x="3143250" y="2434176"/>
+            <a:ext cx="39433500" cy="8837087"/>
           </a:xfrm>
           <a:prstGeom prst="rect">
             <a:avLst/>
@@ -2798,18 +2465,13 @@
               <a:rPr lang="en-US"/>
               <a:t>Click to edit Master title style</a:t>
             </a:r>
-          </a:p>
-        </p:txBody>
-      </p:sp>
-      <p:sp>
-        <p:nvSpPr>
-          <p:cNvPr id="3" name="Text Placeholder 2">
-            <a:extLst>
-              <a:ext uri="{FF2B5EF4-FFF2-40B4-BE49-F238E27FC236}">
-                <a16:creationId xmlns:a16="http://schemas.microsoft.com/office/drawing/2014/main" id="{C2A59FC1-1FD9-F008-5890-C4CA9890A9D3}"/>
-              </a:ext>
-            </a:extLst>
-          </p:cNvPr>
+            <a:endParaRPr lang="en-US" dirty="0"/>
+          </a:p>
+        </p:txBody>
+      </p:sp>
+      <p:sp>
+        <p:nvSpPr>
+          <p:cNvPr id="3" name="Text Placeholder 2"/>
           <p:cNvSpPr>
             <a:spLocks noGrp="1"/>
           </p:cNvSpPr>
@@ -2819,8 +2481,8 @@
         </p:nvSpPr>
         <p:spPr>
           <a:xfrm>
-            <a:off x="838200" y="1825625"/>
-            <a:ext cx="10515600" cy="4351338"/>
+            <a:off x="3143250" y="12170833"/>
+            <a:ext cx="39433500" cy="29008920"/>
           </a:xfrm>
           <a:prstGeom prst="rect">
             <a:avLst/>
@@ -2865,18 +2527,13 @@
               <a:rPr lang="en-US"/>
               <a:t>Fifth level</a:t>
             </a:r>
-          </a:p>
-        </p:txBody>
-      </p:sp>
-      <p:sp>
-        <p:nvSpPr>
-          <p:cNvPr id="4" name="Date Placeholder 3">
-            <a:extLst>
-              <a:ext uri="{FF2B5EF4-FFF2-40B4-BE49-F238E27FC236}">
-                <a16:creationId xmlns:a16="http://schemas.microsoft.com/office/drawing/2014/main" id="{CC555D1C-FB57-AA27-1EEC-9A22D9BD68D5}"/>
-              </a:ext>
-            </a:extLst>
-          </p:cNvPr>
+            <a:endParaRPr lang="en-US" dirty="0"/>
+          </a:p>
+        </p:txBody>
+      </p:sp>
+      <p:sp>
+        <p:nvSpPr>
+          <p:cNvPr id="4" name="Date Placeholder 3"/>
           <p:cNvSpPr>
             <a:spLocks noGrp="1"/>
           </p:cNvSpPr>
@@ -2886,8 +2543,8 @@
         </p:nvSpPr>
         <p:spPr>
           <a:xfrm>
-            <a:off x="838200" y="6356350"/>
-            <a:ext cx="2743200" cy="365125"/>
+            <a:off x="3143250" y="42375677"/>
+            <a:ext cx="10287000" cy="2434167"/>
           </a:xfrm>
           <a:prstGeom prst="rect">
             <a:avLst/>
@@ -2897,7 +2554,7 @@
           <a:bodyPr vert="horz" lIns="91440" tIns="45720" rIns="91440" bIns="45720" rtlCol="0" anchor="ctr"/>
           <a:lstStyle>
             <a:lvl1pPr algn="l">
-              <a:defRPr sz="1200">
+              <a:defRPr sz="6000">
                 <a:solidFill>
                   <a:schemeClr val="tx1">
                     <a:tint val="75000"/>
@@ -2909,7 +2566,7 @@
           <a:p>
             <a:fld id="{431BDD4E-32C7-1149-B0F2-A957CE1F2E36}" type="datetimeFigureOut">
               <a:rPr lang="en-US" smtClean="0"/>
-              <a:t>10/9/23</a:t>
+              <a:t>10/10/23</a:t>
             </a:fld>
             <a:endParaRPr lang="en-US"/>
           </a:p>
@@ -2917,13 +2574,7 @@
       </p:sp>
       <p:sp>
         <p:nvSpPr>
-          <p:cNvPr id="5" name="Footer Placeholder 4">
-            <a:extLst>
-              <a:ext uri="{FF2B5EF4-FFF2-40B4-BE49-F238E27FC236}">
-                <a16:creationId xmlns:a16="http://schemas.microsoft.com/office/drawing/2014/main" id="{30F01B8D-3C3C-3328-F1FC-36065FF77991}"/>
-              </a:ext>
-            </a:extLst>
-          </p:cNvPr>
+          <p:cNvPr id="5" name="Footer Placeholder 4"/>
           <p:cNvSpPr>
             <a:spLocks noGrp="1"/>
           </p:cNvSpPr>
@@ -2933,8 +2584,8 @@
         </p:nvSpPr>
         <p:spPr>
           <a:xfrm>
-            <a:off x="4038600" y="6356350"/>
-            <a:ext cx="4114800" cy="365125"/>
+            <a:off x="15144750" y="42375677"/>
+            <a:ext cx="15430500" cy="2434167"/>
           </a:xfrm>
           <a:prstGeom prst="rect">
             <a:avLst/>
@@ -2944,7 +2595,7 @@
           <a:bodyPr vert="horz" lIns="91440" tIns="45720" rIns="91440" bIns="45720" rtlCol="0" anchor="ctr"/>
           <a:lstStyle>
             <a:lvl1pPr algn="ctr">
-              <a:defRPr sz="1200">
+              <a:defRPr sz="6000">
                 <a:solidFill>
                   <a:schemeClr val="tx1">
                     <a:tint val="75000"/>
@@ -2960,13 +2611,7 @@
       </p:sp>
       <p:sp>
         <p:nvSpPr>
-          <p:cNvPr id="6" name="Slide Number Placeholder 5">
-            <a:extLst>
-              <a:ext uri="{FF2B5EF4-FFF2-40B4-BE49-F238E27FC236}">
-                <a16:creationId xmlns:a16="http://schemas.microsoft.com/office/drawing/2014/main" id="{78BBC0EB-9EB3-11C2-C735-7C30119CD624}"/>
-              </a:ext>
-            </a:extLst>
-          </p:cNvPr>
+          <p:cNvPr id="6" name="Slide Number Placeholder 5"/>
           <p:cNvSpPr>
             <a:spLocks noGrp="1"/>
           </p:cNvSpPr>
@@ -2976,8 +2621,8 @@
         </p:nvSpPr>
         <p:spPr>
           <a:xfrm>
-            <a:off x="8610600" y="6356350"/>
-            <a:ext cx="2743200" cy="365125"/>
+            <a:off x="32289750" y="42375677"/>
+            <a:ext cx="10287000" cy="2434167"/>
           </a:xfrm>
           <a:prstGeom prst="rect">
             <a:avLst/>
@@ -2987,7 +2632,7 @@
           <a:bodyPr vert="horz" lIns="91440" tIns="45720" rIns="91440" bIns="45720" rtlCol="0" anchor="ctr"/>
           <a:lstStyle>
             <a:lvl1pPr algn="r">
-              <a:defRPr sz="1200">
+              <a:defRPr sz="6000">
                 <a:solidFill>
                   <a:schemeClr val="tx1">
                     <a:tint val="75000"/>
@@ -3008,27 +2653,27 @@
     </p:spTree>
     <p:extLst>
       <p:ext uri="{BB962C8B-B14F-4D97-AF65-F5344CB8AC3E}">
-        <p14:creationId xmlns:p14="http://schemas.microsoft.com/office/powerpoint/2010/main" val="3201252176"/>
+        <p14:creationId xmlns:p14="http://schemas.microsoft.com/office/powerpoint/2010/main" val="1587360753"/>
       </p:ext>
     </p:extLst>
   </p:cSld>
   <p:clrMap bg1="lt1" tx1="dk1" bg2="lt2" tx2="dk2" accent1="accent1" accent2="accent2" accent3="accent3" accent4="accent4" accent5="accent5" accent6="accent6" hlink="hlink" folHlink="folHlink"/>
   <p:sldLayoutIdLst>
-    <p:sldLayoutId id="2147483649" r:id="rId1"/>
-    <p:sldLayoutId id="2147483650" r:id="rId2"/>
-    <p:sldLayoutId id="2147483651" r:id="rId3"/>
-    <p:sldLayoutId id="2147483652" r:id="rId4"/>
-    <p:sldLayoutId id="2147483653" r:id="rId5"/>
-    <p:sldLayoutId id="2147483654" r:id="rId6"/>
-    <p:sldLayoutId id="2147483655" r:id="rId7"/>
-    <p:sldLayoutId id="2147483656" r:id="rId8"/>
-    <p:sldLayoutId id="2147483657" r:id="rId9"/>
-    <p:sldLayoutId id="2147483658" r:id="rId10"/>
-    <p:sldLayoutId id="2147483659" r:id="rId11"/>
+    <p:sldLayoutId id="2147483661" r:id="rId1"/>
+    <p:sldLayoutId id="2147483662" r:id="rId2"/>
+    <p:sldLayoutId id="2147483663" r:id="rId3"/>
+    <p:sldLayoutId id="2147483664" r:id="rId4"/>
+    <p:sldLayoutId id="2147483665" r:id="rId5"/>
+    <p:sldLayoutId id="2147483666" r:id="rId6"/>
+    <p:sldLayoutId id="2147483667" r:id="rId7"/>
+    <p:sldLayoutId id="2147483668" r:id="rId8"/>
+    <p:sldLayoutId id="2147483669" r:id="rId9"/>
+    <p:sldLayoutId id="2147483670" r:id="rId10"/>
+    <p:sldLayoutId id="2147483671" r:id="rId11"/>
   </p:sldLayoutIdLst>
   <p:txStyles>
     <p:titleStyle>
-      <a:lvl1pPr algn="l" defTabSz="914400" rtl="0" eaLnBrk="1" latinLnBrk="0" hangingPunct="1">
+      <a:lvl1pPr algn="l" defTabSz="4572000" rtl="0" eaLnBrk="1" latinLnBrk="0" hangingPunct="1">
         <a:lnSpc>
           <a:spcPct val="90000"/>
         </a:lnSpc>
@@ -3036,7 +2681,7 @@
           <a:spcPct val="0"/>
         </a:spcBef>
         <a:buNone/>
-        <a:defRPr sz="4400" kern="1200">
+        <a:defRPr sz="22000" kern="1200">
           <a:solidFill>
             <a:schemeClr val="tx1"/>
           </a:solidFill>
@@ -3047,16 +2692,16 @@
       </a:lvl1pPr>
     </p:titleStyle>
     <p:bodyStyle>
-      <a:lvl1pPr marL="228600" indent="-228600" algn="l" defTabSz="914400" rtl="0" eaLnBrk="1" latinLnBrk="0" hangingPunct="1">
+      <a:lvl1pPr marL="1143000" indent="-1143000" algn="l" defTabSz="4572000" rtl="0" eaLnBrk="1" latinLnBrk="0" hangingPunct="1">
         <a:lnSpc>
           <a:spcPct val="90000"/>
         </a:lnSpc>
         <a:spcBef>
-          <a:spcPts val="1000"/>
+          <a:spcPts val="5000"/>
         </a:spcBef>
         <a:buFont typeface="Arial" panose="020B0604020202020204" pitchFamily="34" charset="0"/>
         <a:buChar char="•"/>
-        <a:defRPr sz="2800" kern="1200">
+        <a:defRPr sz="14000" kern="1200">
           <a:solidFill>
             <a:schemeClr val="tx1"/>
           </a:solidFill>
@@ -3065,16 +2710,16 @@
           <a:cs typeface="+mn-cs"/>
         </a:defRPr>
       </a:lvl1pPr>
-      <a:lvl2pPr marL="685800" indent="-228600" algn="l" defTabSz="914400" rtl="0" eaLnBrk="1" latinLnBrk="0" hangingPunct="1">
+      <a:lvl2pPr marL="3429000" indent="-1143000" algn="l" defTabSz="4572000" rtl="0" eaLnBrk="1" latinLnBrk="0" hangingPunct="1">
         <a:lnSpc>
           <a:spcPct val="90000"/>
         </a:lnSpc>
         <a:spcBef>
-          <a:spcPts val="500"/>
+          <a:spcPts val="2500"/>
         </a:spcBef>
         <a:buFont typeface="Arial" panose="020B0604020202020204" pitchFamily="34" charset="0"/>
         <a:buChar char="•"/>
-        <a:defRPr sz="2400" kern="1200">
+        <a:defRPr sz="12000" kern="1200">
           <a:solidFill>
             <a:schemeClr val="tx1"/>
           </a:solidFill>
@@ -3083,16 +2728,16 @@
           <a:cs typeface="+mn-cs"/>
         </a:defRPr>
       </a:lvl2pPr>
-      <a:lvl3pPr marL="1143000" indent="-228600" algn="l" defTabSz="914400" rtl="0" eaLnBrk="1" latinLnBrk="0" hangingPunct="1">
+      <a:lvl3pPr marL="5715000" indent="-1143000" algn="l" defTabSz="4572000" rtl="0" eaLnBrk="1" latinLnBrk="0" hangingPunct="1">
         <a:lnSpc>
           <a:spcPct val="90000"/>
         </a:lnSpc>
         <a:spcBef>
-          <a:spcPts val="500"/>
+          <a:spcPts val="2500"/>
         </a:spcBef>
         <a:buFont typeface="Arial" panose="020B0604020202020204" pitchFamily="34" charset="0"/>
         <a:buChar char="•"/>
-        <a:defRPr sz="2000" kern="1200">
+        <a:defRPr sz="10000" kern="1200">
           <a:solidFill>
             <a:schemeClr val="tx1"/>
           </a:solidFill>
@@ -3101,16 +2746,16 @@
           <a:cs typeface="+mn-cs"/>
         </a:defRPr>
       </a:lvl3pPr>
-      <a:lvl4pPr marL="1600200" indent="-228600" algn="l" defTabSz="914400" rtl="0" eaLnBrk="1" latinLnBrk="0" hangingPunct="1">
+      <a:lvl4pPr marL="8001000" indent="-1143000" algn="l" defTabSz="4572000" rtl="0" eaLnBrk="1" latinLnBrk="0" hangingPunct="1">
         <a:lnSpc>
           <a:spcPct val="90000"/>
         </a:lnSpc>
         <a:spcBef>
-          <a:spcPts val="500"/>
+          <a:spcPts val="2500"/>
         </a:spcBef>
         <a:buFont typeface="Arial" panose="020B0604020202020204" pitchFamily="34" charset="0"/>
         <a:buChar char="•"/>
-        <a:defRPr sz="1800" kern="1200">
+        <a:defRPr sz="9000" kern="1200">
           <a:solidFill>
             <a:schemeClr val="tx1"/>
           </a:solidFill>
@@ -3119,16 +2764,16 @@
           <a:cs typeface="+mn-cs"/>
         </a:defRPr>
       </a:lvl4pPr>
-      <a:lvl5pPr marL="2057400" indent="-228600" algn="l" defTabSz="914400" rtl="0" eaLnBrk="1" latinLnBrk="0" hangingPunct="1">
+      <a:lvl5pPr marL="10287000" indent="-1143000" algn="l" defTabSz="4572000" rtl="0" eaLnBrk="1" latinLnBrk="0" hangingPunct="1">
         <a:lnSpc>
           <a:spcPct val="90000"/>
         </a:lnSpc>
         <a:spcBef>
-          <a:spcPts val="500"/>
+          <a:spcPts val="2500"/>
         </a:spcBef>
         <a:buFont typeface="Arial" panose="020B0604020202020204" pitchFamily="34" charset="0"/>
         <a:buChar char="•"/>
-        <a:defRPr sz="1800" kern="1200">
+        <a:defRPr sz="9000" kern="1200">
           <a:solidFill>
             <a:schemeClr val="tx1"/>
           </a:solidFill>
@@ -3137,16 +2782,16 @@
           <a:cs typeface="+mn-cs"/>
         </a:defRPr>
       </a:lvl5pPr>
-      <a:lvl6pPr marL="2514600" indent="-228600" algn="l" defTabSz="914400" rtl="0" eaLnBrk="1" latinLnBrk="0" hangingPunct="1">
+      <a:lvl6pPr marL="12573000" indent="-1143000" algn="l" defTabSz="4572000" rtl="0" eaLnBrk="1" latinLnBrk="0" hangingPunct="1">
         <a:lnSpc>
           <a:spcPct val="90000"/>
         </a:lnSpc>
         <a:spcBef>
-          <a:spcPts val="500"/>
+          <a:spcPts val="2500"/>
         </a:spcBef>
         <a:buFont typeface="Arial" panose="020B0604020202020204" pitchFamily="34" charset="0"/>
         <a:buChar char="•"/>
-        <a:defRPr sz="1800" kern="1200">
+        <a:defRPr sz="9000" kern="1200">
           <a:solidFill>
             <a:schemeClr val="tx1"/>
           </a:solidFill>
@@ -3155,16 +2800,16 @@
           <a:cs typeface="+mn-cs"/>
         </a:defRPr>
       </a:lvl6pPr>
-      <a:lvl7pPr marL="2971800" indent="-228600" algn="l" defTabSz="914400" rtl="0" eaLnBrk="1" latinLnBrk="0" hangingPunct="1">
+      <a:lvl7pPr marL="14859000" indent="-1143000" algn="l" defTabSz="4572000" rtl="0" eaLnBrk="1" latinLnBrk="0" hangingPunct="1">
         <a:lnSpc>
           <a:spcPct val="90000"/>
         </a:lnSpc>
         <a:spcBef>
-          <a:spcPts val="500"/>
+          <a:spcPts val="2500"/>
         </a:spcBef>
         <a:buFont typeface="Arial" panose="020B0604020202020204" pitchFamily="34" charset="0"/>
         <a:buChar char="•"/>
-        <a:defRPr sz="1800" kern="1200">
+        <a:defRPr sz="9000" kern="1200">
           <a:solidFill>
             <a:schemeClr val="tx1"/>
           </a:solidFill>
@@ -3173,16 +2818,16 @@
           <a:cs typeface="+mn-cs"/>
         </a:defRPr>
       </a:lvl7pPr>
-      <a:lvl8pPr marL="3429000" indent="-228600" algn="l" defTabSz="914400" rtl="0" eaLnBrk="1" latinLnBrk="0" hangingPunct="1">
+      <a:lvl8pPr marL="17145000" indent="-1143000" algn="l" defTabSz="4572000" rtl="0" eaLnBrk="1" latinLnBrk="0" hangingPunct="1">
         <a:lnSpc>
           <a:spcPct val="90000"/>
         </a:lnSpc>
         <a:spcBef>
-          <a:spcPts val="500"/>
+          <a:spcPts val="2500"/>
         </a:spcBef>
         <a:buFont typeface="Arial" panose="020B0604020202020204" pitchFamily="34" charset="0"/>
         <a:buChar char="•"/>
-        <a:defRPr sz="1800" kern="1200">
+        <a:defRPr sz="9000" kern="1200">
           <a:solidFill>
             <a:schemeClr val="tx1"/>
           </a:solidFill>
@@ -3191,16 +2836,16 @@
           <a:cs typeface="+mn-cs"/>
         </a:defRPr>
       </a:lvl8pPr>
-      <a:lvl9pPr marL="3886200" indent="-228600" algn="l" defTabSz="914400" rtl="0" eaLnBrk="1" latinLnBrk="0" hangingPunct="1">
+      <a:lvl9pPr marL="19431000" indent="-1143000" algn="l" defTabSz="4572000" rtl="0" eaLnBrk="1" latinLnBrk="0" hangingPunct="1">
         <a:lnSpc>
           <a:spcPct val="90000"/>
         </a:lnSpc>
         <a:spcBef>
-          <a:spcPts val="500"/>
+          <a:spcPts val="2500"/>
         </a:spcBef>
         <a:buFont typeface="Arial" panose="020B0604020202020204" pitchFamily="34" charset="0"/>
         <a:buChar char="•"/>
-        <a:defRPr sz="1800" kern="1200">
+        <a:defRPr sz="9000" kern="1200">
           <a:solidFill>
             <a:schemeClr val="tx1"/>
           </a:solidFill>
@@ -3214,8 +2859,8 @@
       <a:defPPr>
         <a:defRPr lang="en-US"/>
       </a:defPPr>
-      <a:lvl1pPr marL="0" algn="l" defTabSz="914400" rtl="0" eaLnBrk="1" latinLnBrk="0" hangingPunct="1">
-        <a:defRPr sz="1800" kern="1200">
+      <a:lvl1pPr marL="0" algn="l" defTabSz="4572000" rtl="0" eaLnBrk="1" latinLnBrk="0" hangingPunct="1">
+        <a:defRPr sz="9000" kern="1200">
           <a:solidFill>
             <a:schemeClr val="tx1"/>
           </a:solidFill>
@@ -3224,8 +2869,8 @@
           <a:cs typeface="+mn-cs"/>
         </a:defRPr>
       </a:lvl1pPr>
-      <a:lvl2pPr marL="457200" algn="l" defTabSz="914400" rtl="0" eaLnBrk="1" latinLnBrk="0" hangingPunct="1">
-        <a:defRPr sz="1800" kern="1200">
+      <a:lvl2pPr marL="2286000" algn="l" defTabSz="4572000" rtl="0" eaLnBrk="1" latinLnBrk="0" hangingPunct="1">
+        <a:defRPr sz="9000" kern="1200">
           <a:solidFill>
             <a:schemeClr val="tx1"/>
           </a:solidFill>
@@ -3234,8 +2879,8 @@
           <a:cs typeface="+mn-cs"/>
         </a:defRPr>
       </a:lvl2pPr>
-      <a:lvl3pPr marL="914400" algn="l" defTabSz="914400" rtl="0" eaLnBrk="1" latinLnBrk="0" hangingPunct="1">
-        <a:defRPr sz="1800" kern="1200">
+      <a:lvl3pPr marL="4572000" algn="l" defTabSz="4572000" rtl="0" eaLnBrk="1" latinLnBrk="0" hangingPunct="1">
+        <a:defRPr sz="9000" kern="1200">
           <a:solidFill>
             <a:schemeClr val="tx1"/>
           </a:solidFill>
@@ -3244,8 +2889,8 @@
           <a:cs typeface="+mn-cs"/>
         </a:defRPr>
       </a:lvl3pPr>
-      <a:lvl4pPr marL="1371600" algn="l" defTabSz="914400" rtl="0" eaLnBrk="1" latinLnBrk="0" hangingPunct="1">
-        <a:defRPr sz="1800" kern="1200">
+      <a:lvl4pPr marL="6858000" algn="l" defTabSz="4572000" rtl="0" eaLnBrk="1" latinLnBrk="0" hangingPunct="1">
+        <a:defRPr sz="9000" kern="1200">
           <a:solidFill>
             <a:schemeClr val="tx1"/>
           </a:solidFill>
@@ -3254,8 +2899,8 @@
           <a:cs typeface="+mn-cs"/>
         </a:defRPr>
       </a:lvl4pPr>
-      <a:lvl5pPr marL="1828800" algn="l" defTabSz="914400" rtl="0" eaLnBrk="1" latinLnBrk="0" hangingPunct="1">
-        <a:defRPr sz="1800" kern="1200">
+      <a:lvl5pPr marL="9144000" algn="l" defTabSz="4572000" rtl="0" eaLnBrk="1" latinLnBrk="0" hangingPunct="1">
+        <a:defRPr sz="9000" kern="1200">
           <a:solidFill>
             <a:schemeClr val="tx1"/>
           </a:solidFill>
@@ -3264,8 +2909,8 @@
           <a:cs typeface="+mn-cs"/>
         </a:defRPr>
       </a:lvl5pPr>
-      <a:lvl6pPr marL="2286000" algn="l" defTabSz="914400" rtl="0" eaLnBrk="1" latinLnBrk="0" hangingPunct="1">
-        <a:defRPr sz="1800" kern="1200">
+      <a:lvl6pPr marL="11430000" algn="l" defTabSz="4572000" rtl="0" eaLnBrk="1" latinLnBrk="0" hangingPunct="1">
+        <a:defRPr sz="9000" kern="1200">
           <a:solidFill>
             <a:schemeClr val="tx1"/>
           </a:solidFill>
@@ -3274,8 +2919,8 @@
           <a:cs typeface="+mn-cs"/>
         </a:defRPr>
       </a:lvl6pPr>
-      <a:lvl7pPr marL="2743200" algn="l" defTabSz="914400" rtl="0" eaLnBrk="1" latinLnBrk="0" hangingPunct="1">
-        <a:defRPr sz="1800" kern="1200">
+      <a:lvl7pPr marL="13716000" algn="l" defTabSz="4572000" rtl="0" eaLnBrk="1" latinLnBrk="0" hangingPunct="1">
+        <a:defRPr sz="9000" kern="1200">
           <a:solidFill>
             <a:schemeClr val="tx1"/>
           </a:solidFill>
@@ -3284,8 +2929,8 @@
           <a:cs typeface="+mn-cs"/>
         </a:defRPr>
       </a:lvl7pPr>
-      <a:lvl8pPr marL="3200400" algn="l" defTabSz="914400" rtl="0" eaLnBrk="1" latinLnBrk="0" hangingPunct="1">
-        <a:defRPr sz="1800" kern="1200">
+      <a:lvl8pPr marL="16002000" algn="l" defTabSz="4572000" rtl="0" eaLnBrk="1" latinLnBrk="0" hangingPunct="1">
+        <a:defRPr sz="9000" kern="1200">
           <a:solidFill>
             <a:schemeClr val="tx1"/>
           </a:solidFill>
@@ -3294,8 +2939,8 @@
           <a:cs typeface="+mn-cs"/>
         </a:defRPr>
       </a:lvl8pPr>
-      <a:lvl9pPr marL="3657600" algn="l" defTabSz="914400" rtl="0" eaLnBrk="1" latinLnBrk="0" hangingPunct="1">
-        <a:defRPr sz="1800" kern="1200">
+      <a:lvl9pPr marL="18288000" algn="l" defTabSz="4572000" rtl="0" eaLnBrk="1" latinLnBrk="0" hangingPunct="1">
+        <a:defRPr sz="9000" kern="1200">
           <a:solidFill>
             <a:schemeClr val="tx1"/>
           </a:solidFill>
@@ -3312,6 +2957,14 @@
 <file path=ppt/slides/slide1.xml><?xml version="1.0" encoding="utf-8"?>
 <p:sld xmlns:a="http://schemas.openxmlformats.org/drawingml/2006/main" xmlns:r="http://schemas.openxmlformats.org/officeDocument/2006/relationships" xmlns:p="http://schemas.openxmlformats.org/presentationml/2006/main">
   <p:cSld>
+    <p:bg>
+      <p:bgPr>
+        <a:solidFill>
+          <a:schemeClr val="tx1"/>
+        </a:solidFill>
+        <a:effectLst/>
+      </p:bgPr>
+    </p:bg>
     <p:spTree>
       <p:nvGrpSpPr>
         <p:cNvPr id="1" name=""/>
@@ -3328,10 +2981,10 @@
       </p:grpSpPr>
       <p:grpSp>
         <p:nvGrpSpPr>
-          <p:cNvPr id="11" name="Group 10">
+          <p:cNvPr id="29" name="Group 28">
             <a:extLst>
               <a:ext uri="{FF2B5EF4-FFF2-40B4-BE49-F238E27FC236}">
-                <a16:creationId xmlns:a16="http://schemas.microsoft.com/office/drawing/2014/main" id="{06230093-E23F-B44E-87F1-5EF3478FFE40}"/>
+                <a16:creationId xmlns:a16="http://schemas.microsoft.com/office/drawing/2014/main" id="{548FE4F5-864A-2C46-40F3-789366ED4A43}"/>
               </a:ext>
             </a:extLst>
           </p:cNvPr>
@@ -3340,18 +2993,18 @@
         </p:nvGrpSpPr>
         <p:grpSpPr>
           <a:xfrm>
-            <a:off x="-5139321" y="-15505938"/>
+            <a:off x="0" y="0"/>
             <a:ext cx="7772400" cy="8549640"/>
-            <a:chOff x="-1046671" y="-3278038"/>
+            <a:chOff x="14808819" y="15728795"/>
             <a:chExt cx="7772400" cy="8549640"/>
           </a:xfrm>
         </p:grpSpPr>
         <p:pic>
           <p:nvPicPr>
-            <p:cNvPr id="8" name="Picture 7">
+            <p:cNvPr id="3" name="Picture 2">
               <a:extLst>
                 <a:ext uri="{FF2B5EF4-FFF2-40B4-BE49-F238E27FC236}">
-                  <a16:creationId xmlns:a16="http://schemas.microsoft.com/office/drawing/2014/main" id="{4C5D6CD5-28DB-C308-7217-B62E9DF64927}"/>
+                  <a16:creationId xmlns:a16="http://schemas.microsoft.com/office/drawing/2014/main" id="{1513CC3D-69DA-A72C-1A50-1968B74D5610}"/>
                 </a:ext>
               </a:extLst>
             </p:cNvPr>
@@ -3368,7 +3021,7 @@
           </p:blipFill>
           <p:spPr>
             <a:xfrm>
-              <a:off x="-1046671" y="-3278038"/>
+              <a:off x="14808819" y="15728795"/>
               <a:ext cx="7772400" cy="5829300"/>
             </a:xfrm>
             <a:prstGeom prst="rect">
@@ -3378,10 +3031,10 @@
         </p:pic>
         <p:pic>
           <p:nvPicPr>
-            <p:cNvPr id="10" name="Picture 9">
+            <p:cNvPr id="5" name="Picture 4">
               <a:extLst>
                 <a:ext uri="{FF2B5EF4-FFF2-40B4-BE49-F238E27FC236}">
-                  <a16:creationId xmlns:a16="http://schemas.microsoft.com/office/drawing/2014/main" id="{4AE8A02F-4FFD-619B-B158-B07C4AA81DA4}"/>
+                  <a16:creationId xmlns:a16="http://schemas.microsoft.com/office/drawing/2014/main" id="{E2A0DB61-F2E7-9433-012E-7B030443B018}"/>
                 </a:ext>
               </a:extLst>
             </p:cNvPr>
@@ -3398,7 +3051,7 @@
           </p:blipFill>
           <p:spPr>
             <a:xfrm>
-              <a:off x="-1046671" y="2551262"/>
+              <a:off x="14808819" y="21558095"/>
               <a:ext cx="7772400" cy="2720340"/>
             </a:xfrm>
             <a:prstGeom prst="rect">
@@ -3409,10 +3062,10 @@
       </p:grpSp>
       <p:grpSp>
         <p:nvGrpSpPr>
-          <p:cNvPr id="16" name="Group 15">
+          <p:cNvPr id="27" name="Group 26">
             <a:extLst>
               <a:ext uri="{FF2B5EF4-FFF2-40B4-BE49-F238E27FC236}">
-                <a16:creationId xmlns:a16="http://schemas.microsoft.com/office/drawing/2014/main" id="{802C3972-088C-A093-268E-DE6A99723000}"/>
+                <a16:creationId xmlns:a16="http://schemas.microsoft.com/office/drawing/2014/main" id="{F07AA675-53B8-2627-3E64-1F994A13A6A0}"/>
               </a:ext>
             </a:extLst>
           </p:cNvPr>
@@ -3421,18 +3074,18 @@
         </p:nvGrpSpPr>
         <p:grpSpPr>
           <a:xfrm>
-            <a:off x="2633079" y="-15505938"/>
+            <a:off x="7772400" y="0"/>
             <a:ext cx="7772400" cy="8549640"/>
-            <a:chOff x="-914401" y="-8549640"/>
+            <a:chOff x="22581219" y="15728795"/>
             <a:chExt cx="7772400" cy="8549640"/>
           </a:xfrm>
         </p:grpSpPr>
         <p:pic>
           <p:nvPicPr>
-            <p:cNvPr id="13" name="Picture 12">
+            <p:cNvPr id="7" name="Picture 6">
               <a:extLst>
                 <a:ext uri="{FF2B5EF4-FFF2-40B4-BE49-F238E27FC236}">
-                  <a16:creationId xmlns:a16="http://schemas.microsoft.com/office/drawing/2014/main" id="{E6FA4929-1A8B-8CB0-AF54-EE10DA0BE45D}"/>
+                  <a16:creationId xmlns:a16="http://schemas.microsoft.com/office/drawing/2014/main" id="{95209D73-0F60-B9B2-221C-140C32F1013E}"/>
                 </a:ext>
               </a:extLst>
             </p:cNvPr>
@@ -3449,7 +3102,7 @@
           </p:blipFill>
           <p:spPr>
             <a:xfrm>
-              <a:off x="-914401" y="-8549640"/>
+              <a:off x="22581219" y="15728795"/>
               <a:ext cx="7772400" cy="5829300"/>
             </a:xfrm>
             <a:prstGeom prst="rect">
@@ -3459,10 +3112,10 @@
         </p:pic>
         <p:pic>
           <p:nvPicPr>
-            <p:cNvPr id="15" name="Picture 14">
+            <p:cNvPr id="12" name="Picture 11">
               <a:extLst>
                 <a:ext uri="{FF2B5EF4-FFF2-40B4-BE49-F238E27FC236}">
-                  <a16:creationId xmlns:a16="http://schemas.microsoft.com/office/drawing/2014/main" id="{04523B9C-676C-5298-E634-6E84725FC843}"/>
+                  <a16:creationId xmlns:a16="http://schemas.microsoft.com/office/drawing/2014/main" id="{FA195140-5741-816B-1140-50901272ABCC}"/>
                 </a:ext>
               </a:extLst>
             </p:cNvPr>
@@ -3479,7 +3132,7 @@
           </p:blipFill>
           <p:spPr>
             <a:xfrm>
-              <a:off x="-914401" y="-2720340"/>
+              <a:off x="22581219" y="21558095"/>
               <a:ext cx="7772400" cy="2720340"/>
             </a:xfrm>
             <a:prstGeom prst="rect">
@@ -3490,10 +3143,10 @@
       </p:grpSp>
       <p:grpSp>
         <p:nvGrpSpPr>
-          <p:cNvPr id="21" name="Group 20">
+          <p:cNvPr id="24" name="Group 23">
             <a:extLst>
               <a:ext uri="{FF2B5EF4-FFF2-40B4-BE49-F238E27FC236}">
-                <a16:creationId xmlns:a16="http://schemas.microsoft.com/office/drawing/2014/main" id="{DE8BDB51-0BDE-1A44-10D2-525E231CC7B1}"/>
+                <a16:creationId xmlns:a16="http://schemas.microsoft.com/office/drawing/2014/main" id="{F5BC4505-7612-EC23-4C35-1D3CA83880AD}"/>
               </a:ext>
             </a:extLst>
           </p:cNvPr>
@@ -3502,18 +3155,18 @@
         </p:nvGrpSpPr>
         <p:grpSpPr>
           <a:xfrm>
-            <a:off x="10405479" y="-15505938"/>
+            <a:off x="15544800" y="0"/>
             <a:ext cx="7772400" cy="8549640"/>
-            <a:chOff x="1524000" y="0"/>
+            <a:chOff x="18288000" y="19431000"/>
             <a:chExt cx="7772400" cy="8549640"/>
           </a:xfrm>
         </p:grpSpPr>
         <p:pic>
           <p:nvPicPr>
-            <p:cNvPr id="18" name="Picture 17">
+            <p:cNvPr id="17" name="Picture 16">
               <a:extLst>
                 <a:ext uri="{FF2B5EF4-FFF2-40B4-BE49-F238E27FC236}">
-                  <a16:creationId xmlns:a16="http://schemas.microsoft.com/office/drawing/2014/main" id="{FF51F4C8-E623-737C-1BC7-AAD382DE45BE}"/>
+                  <a16:creationId xmlns:a16="http://schemas.microsoft.com/office/drawing/2014/main" id="{8FC392E4-6497-2840-7A36-69643A59AE0F}"/>
                 </a:ext>
               </a:extLst>
             </p:cNvPr>
@@ -3530,7 +3183,7 @@
           </p:blipFill>
           <p:spPr>
             <a:xfrm>
-              <a:off x="1524000" y="0"/>
+              <a:off x="18288000" y="19431000"/>
               <a:ext cx="7772400" cy="5829300"/>
             </a:xfrm>
             <a:prstGeom prst="rect">
@@ -3540,10 +3193,10 @@
         </p:pic>
         <p:pic>
           <p:nvPicPr>
-            <p:cNvPr id="20" name="Picture 19">
+            <p:cNvPr id="22" name="Picture 21">
               <a:extLst>
                 <a:ext uri="{FF2B5EF4-FFF2-40B4-BE49-F238E27FC236}">
-                  <a16:creationId xmlns:a16="http://schemas.microsoft.com/office/drawing/2014/main" id="{758D01F8-4CA1-A49D-05C0-14855CFDCC73}"/>
+                  <a16:creationId xmlns:a16="http://schemas.microsoft.com/office/drawing/2014/main" id="{C83DA6EE-B9E4-1B83-7286-7C2D77A2E516}"/>
                 </a:ext>
               </a:extLst>
             </p:cNvPr>
@@ -3560,7 +3213,7 @@
           </p:blipFill>
           <p:spPr>
             <a:xfrm>
-              <a:off x="1524000" y="5829300"/>
+              <a:off x="18288000" y="25260300"/>
               <a:ext cx="7772400" cy="2720340"/>
             </a:xfrm>
             <a:prstGeom prst="rect">
@@ -3571,10 +3224,10 @@
       </p:grpSp>
       <p:grpSp>
         <p:nvGrpSpPr>
-          <p:cNvPr id="26" name="Group 25">
+          <p:cNvPr id="42" name="Group 41">
             <a:extLst>
               <a:ext uri="{FF2B5EF4-FFF2-40B4-BE49-F238E27FC236}">
-                <a16:creationId xmlns:a16="http://schemas.microsoft.com/office/drawing/2014/main" id="{9DE83AF1-7873-7AEE-C533-9C6D67CF2EA6}"/>
+                <a16:creationId xmlns:a16="http://schemas.microsoft.com/office/drawing/2014/main" id="{FD4A3C4D-3159-AF51-A91F-33BD99B789C6}"/>
               </a:ext>
             </a:extLst>
           </p:cNvPr>
@@ -3583,18 +3236,18 @@
         </p:nvGrpSpPr>
         <p:grpSpPr>
           <a:xfrm>
-            <a:off x="-5139321" y="-6956298"/>
+            <a:off x="0" y="8549640"/>
             <a:ext cx="7772400" cy="8549640"/>
-            <a:chOff x="1524000" y="0"/>
+            <a:chOff x="18288000" y="19431000"/>
             <a:chExt cx="7772400" cy="8549640"/>
           </a:xfrm>
         </p:grpSpPr>
         <p:pic>
           <p:nvPicPr>
-            <p:cNvPr id="23" name="Picture 22">
+            <p:cNvPr id="34" name="Picture 33">
               <a:extLst>
                 <a:ext uri="{FF2B5EF4-FFF2-40B4-BE49-F238E27FC236}">
-                  <a16:creationId xmlns:a16="http://schemas.microsoft.com/office/drawing/2014/main" id="{DE0927C0-63B8-FA90-F8EE-D0695923300A}"/>
+                  <a16:creationId xmlns:a16="http://schemas.microsoft.com/office/drawing/2014/main" id="{54D20491-2CF5-B458-3A63-9C12C6D8C9EE}"/>
                 </a:ext>
               </a:extLst>
             </p:cNvPr>
@@ -3611,7 +3264,7 @@
           </p:blipFill>
           <p:spPr>
             <a:xfrm>
-              <a:off x="1524000" y="0"/>
+              <a:off x="18288000" y="19431000"/>
               <a:ext cx="7772400" cy="5829300"/>
             </a:xfrm>
             <a:prstGeom prst="rect">
@@ -3621,10 +3274,10 @@
         </p:pic>
         <p:pic>
           <p:nvPicPr>
-            <p:cNvPr id="25" name="Picture 24">
+            <p:cNvPr id="39" name="Picture 38">
               <a:extLst>
                 <a:ext uri="{FF2B5EF4-FFF2-40B4-BE49-F238E27FC236}">
-                  <a16:creationId xmlns:a16="http://schemas.microsoft.com/office/drawing/2014/main" id="{195B9592-7634-BD3E-53BD-E350D2C84DA5}"/>
+                  <a16:creationId xmlns:a16="http://schemas.microsoft.com/office/drawing/2014/main" id="{4A4B1398-E322-4147-72F7-8268B4524988}"/>
                 </a:ext>
               </a:extLst>
             </p:cNvPr>
@@ -3641,7 +3294,7 @@
           </p:blipFill>
           <p:spPr>
             <a:xfrm>
-              <a:off x="1524000" y="5829300"/>
+              <a:off x="18288000" y="25260300"/>
               <a:ext cx="7772400" cy="2720340"/>
             </a:xfrm>
             <a:prstGeom prst="rect">
@@ -3652,10 +3305,10 @@
       </p:grpSp>
       <p:grpSp>
         <p:nvGrpSpPr>
-          <p:cNvPr id="31" name="Group 30">
+          <p:cNvPr id="54" name="Group 53">
             <a:extLst>
               <a:ext uri="{FF2B5EF4-FFF2-40B4-BE49-F238E27FC236}">
-                <a16:creationId xmlns:a16="http://schemas.microsoft.com/office/drawing/2014/main" id="{238FA668-DDBA-07D9-F316-B4752466C308}"/>
+                <a16:creationId xmlns:a16="http://schemas.microsoft.com/office/drawing/2014/main" id="{BB18D92D-98F1-B59A-9531-2556E181E1F1}"/>
               </a:ext>
             </a:extLst>
           </p:cNvPr>
@@ -3664,18 +3317,18 @@
         </p:nvGrpSpPr>
         <p:grpSpPr>
           <a:xfrm>
-            <a:off x="2633079" y="-6956298"/>
+            <a:off x="7772400" y="8549640"/>
             <a:ext cx="7772400" cy="8549640"/>
-            <a:chOff x="7983794" y="-3451123"/>
+            <a:chOff x="18288000" y="19431000"/>
             <a:chExt cx="7772400" cy="8549640"/>
           </a:xfrm>
         </p:grpSpPr>
         <p:pic>
           <p:nvPicPr>
-            <p:cNvPr id="28" name="Picture 27">
+            <p:cNvPr id="47" name="Picture 46">
               <a:extLst>
                 <a:ext uri="{FF2B5EF4-FFF2-40B4-BE49-F238E27FC236}">
-                  <a16:creationId xmlns:a16="http://schemas.microsoft.com/office/drawing/2014/main" id="{77039CB4-8AA7-84FE-893C-23C6258AF2E4}"/>
+                  <a16:creationId xmlns:a16="http://schemas.microsoft.com/office/drawing/2014/main" id="{909BCA0D-5C7A-7707-FD26-73AA80324FCC}"/>
                 </a:ext>
               </a:extLst>
             </p:cNvPr>
@@ -3692,7 +3345,7 @@
           </p:blipFill>
           <p:spPr>
             <a:xfrm>
-              <a:off x="7983794" y="-3451123"/>
+              <a:off x="18288000" y="19431000"/>
               <a:ext cx="7772400" cy="5829300"/>
             </a:xfrm>
             <a:prstGeom prst="rect">
@@ -3702,10 +3355,10 @@
         </p:pic>
         <p:pic>
           <p:nvPicPr>
-            <p:cNvPr id="30" name="Picture 29">
+            <p:cNvPr id="52" name="Picture 51">
               <a:extLst>
                 <a:ext uri="{FF2B5EF4-FFF2-40B4-BE49-F238E27FC236}">
-                  <a16:creationId xmlns:a16="http://schemas.microsoft.com/office/drawing/2014/main" id="{2A8638E2-EF05-8C07-5217-9F9FB0064083}"/>
+                  <a16:creationId xmlns:a16="http://schemas.microsoft.com/office/drawing/2014/main" id="{376A621E-E21E-6B0C-121C-4BBC76436028}"/>
                 </a:ext>
               </a:extLst>
             </p:cNvPr>
@@ -3722,7 +3375,7 @@
           </p:blipFill>
           <p:spPr>
             <a:xfrm>
-              <a:off x="7983794" y="2378177"/>
+              <a:off x="18288000" y="25260300"/>
               <a:ext cx="7772400" cy="2720340"/>
             </a:xfrm>
             <a:prstGeom prst="rect">
@@ -3733,10 +3386,10 @@
       </p:grpSp>
       <p:grpSp>
         <p:nvGrpSpPr>
-          <p:cNvPr id="36" name="Group 35">
+          <p:cNvPr id="64" name="Group 63">
             <a:extLst>
               <a:ext uri="{FF2B5EF4-FFF2-40B4-BE49-F238E27FC236}">
-                <a16:creationId xmlns:a16="http://schemas.microsoft.com/office/drawing/2014/main" id="{7E9D0A19-F5B0-2022-70B2-35ABB1467185}"/>
+                <a16:creationId xmlns:a16="http://schemas.microsoft.com/office/drawing/2014/main" id="{4374F205-135E-83C7-2786-227CE5298CAD}"/>
               </a:ext>
             </a:extLst>
           </p:cNvPr>
@@ -3745,18 +3398,18 @@
         </p:nvGrpSpPr>
         <p:grpSpPr>
           <a:xfrm>
-            <a:off x="-5139321" y="1593342"/>
+            <a:off x="0" y="28620721"/>
             <a:ext cx="7772400" cy="8549640"/>
-            <a:chOff x="1524000" y="0"/>
+            <a:chOff x="18288000" y="19431000"/>
             <a:chExt cx="7772400" cy="8549640"/>
           </a:xfrm>
         </p:grpSpPr>
         <p:pic>
           <p:nvPicPr>
-            <p:cNvPr id="33" name="Picture 32">
+            <p:cNvPr id="59" name="Picture 58">
               <a:extLst>
                 <a:ext uri="{FF2B5EF4-FFF2-40B4-BE49-F238E27FC236}">
-                  <a16:creationId xmlns:a16="http://schemas.microsoft.com/office/drawing/2014/main" id="{5D0B634D-AB05-78A0-5812-126B77D35B65}"/>
+                  <a16:creationId xmlns:a16="http://schemas.microsoft.com/office/drawing/2014/main" id="{5C565C8E-5B2F-64BC-ADEF-96D86AB1F1B9}"/>
                 </a:ext>
               </a:extLst>
             </p:cNvPr>
@@ -3773,7 +3426,7 @@
           </p:blipFill>
           <p:spPr>
             <a:xfrm>
-              <a:off x="1524000" y="0"/>
+              <a:off x="18288000" y="19431000"/>
               <a:ext cx="7772400" cy="5829300"/>
             </a:xfrm>
             <a:prstGeom prst="rect">
@@ -3783,10 +3436,10 @@
         </p:pic>
         <p:pic>
           <p:nvPicPr>
-            <p:cNvPr id="35" name="Picture 34">
+            <p:cNvPr id="63" name="Picture 62">
               <a:extLst>
                 <a:ext uri="{FF2B5EF4-FFF2-40B4-BE49-F238E27FC236}">
-                  <a16:creationId xmlns:a16="http://schemas.microsoft.com/office/drawing/2014/main" id="{13B4B269-BC8A-0C62-B9C5-8B0BBBAD7069}"/>
+                  <a16:creationId xmlns:a16="http://schemas.microsoft.com/office/drawing/2014/main" id="{F053933A-ECDD-246B-48C9-894129CF3365}"/>
                 </a:ext>
               </a:extLst>
             </p:cNvPr>
@@ -3803,7 +3456,7 @@
           </p:blipFill>
           <p:spPr>
             <a:xfrm>
-              <a:off x="1524000" y="5829300"/>
+              <a:off x="18288000" y="25260300"/>
               <a:ext cx="7772400" cy="2720340"/>
             </a:xfrm>
             <a:prstGeom prst="rect">
@@ -3814,10 +3467,10 @@
       </p:grpSp>
       <p:grpSp>
         <p:nvGrpSpPr>
-          <p:cNvPr id="41" name="Group 40">
+          <p:cNvPr id="69" name="Group 68">
             <a:extLst>
               <a:ext uri="{FF2B5EF4-FFF2-40B4-BE49-F238E27FC236}">
-                <a16:creationId xmlns:a16="http://schemas.microsoft.com/office/drawing/2014/main" id="{9ABFC0A8-F051-41BB-5D9E-4A865476CB65}"/>
+                <a16:creationId xmlns:a16="http://schemas.microsoft.com/office/drawing/2014/main" id="{0E0E44A5-4A61-C747-C06C-574964EE082A}"/>
               </a:ext>
             </a:extLst>
           </p:cNvPr>
@@ -3826,18 +3479,18 @@
         </p:nvGrpSpPr>
         <p:grpSpPr>
           <a:xfrm>
-            <a:off x="2633079" y="1593342"/>
+            <a:off x="7772400" y="28620721"/>
             <a:ext cx="7772400" cy="8549640"/>
-            <a:chOff x="6866021" y="4313682"/>
+            <a:chOff x="18288000" y="19431000"/>
             <a:chExt cx="7772400" cy="8549640"/>
           </a:xfrm>
         </p:grpSpPr>
         <p:pic>
           <p:nvPicPr>
-            <p:cNvPr id="38" name="Picture 37">
+            <p:cNvPr id="66" name="Picture 65">
               <a:extLst>
                 <a:ext uri="{FF2B5EF4-FFF2-40B4-BE49-F238E27FC236}">
-                  <a16:creationId xmlns:a16="http://schemas.microsoft.com/office/drawing/2014/main" id="{696E1EEB-C5AC-474A-FFD9-EA15E63182EC}"/>
+                  <a16:creationId xmlns:a16="http://schemas.microsoft.com/office/drawing/2014/main" id="{95E1E8DA-1AE4-E7CE-D409-6081764631DD}"/>
                 </a:ext>
               </a:extLst>
             </p:cNvPr>
@@ -3854,7 +3507,7 @@
           </p:blipFill>
           <p:spPr>
             <a:xfrm>
-              <a:off x="6866021" y="4313682"/>
+              <a:off x="18288000" y="19431000"/>
               <a:ext cx="7772400" cy="5829300"/>
             </a:xfrm>
             <a:prstGeom prst="rect">
@@ -3864,10 +3517,10 @@
         </p:pic>
         <p:pic>
           <p:nvPicPr>
-            <p:cNvPr id="40" name="Picture 39">
+            <p:cNvPr id="68" name="Picture 67">
               <a:extLst>
                 <a:ext uri="{FF2B5EF4-FFF2-40B4-BE49-F238E27FC236}">
-                  <a16:creationId xmlns:a16="http://schemas.microsoft.com/office/drawing/2014/main" id="{8C66B522-0EB2-15F6-349B-AA2AF0945273}"/>
+                  <a16:creationId xmlns:a16="http://schemas.microsoft.com/office/drawing/2014/main" id="{4994DF2E-B070-8222-5228-93ECEA0C435A}"/>
                 </a:ext>
               </a:extLst>
             </p:cNvPr>
@@ -3884,7 +3537,7 @@
           </p:blipFill>
           <p:spPr>
             <a:xfrm>
-              <a:off x="6866021" y="10142982"/>
+              <a:off x="18288000" y="25260300"/>
               <a:ext cx="7772400" cy="2720340"/>
             </a:xfrm>
             <a:prstGeom prst="rect">
@@ -3895,10 +3548,10 @@
       </p:grpSp>
       <p:grpSp>
         <p:nvGrpSpPr>
-          <p:cNvPr id="46" name="Group 45">
+          <p:cNvPr id="74" name="Group 73">
             <a:extLst>
               <a:ext uri="{FF2B5EF4-FFF2-40B4-BE49-F238E27FC236}">
-                <a16:creationId xmlns:a16="http://schemas.microsoft.com/office/drawing/2014/main" id="{B13C8D70-D804-C196-641A-EE0ED643A124}"/>
+                <a16:creationId xmlns:a16="http://schemas.microsoft.com/office/drawing/2014/main" id="{0719A289-1C6F-385E-1FCC-1B7D898E0CDE}"/>
               </a:ext>
             </a:extLst>
           </p:cNvPr>
@@ -3907,18 +3560,18 @@
         </p:nvGrpSpPr>
         <p:grpSpPr>
           <a:xfrm>
-            <a:off x="10405479" y="1593342"/>
-            <a:ext cx="7772400" cy="8549640"/>
-            <a:chOff x="10405479" y="1593342"/>
-            <a:chExt cx="7772400" cy="8549640"/>
+            <a:off x="15544800" y="28620721"/>
+            <a:ext cx="7772400" cy="8552180"/>
+            <a:chOff x="18288000" y="19431000"/>
+            <a:chExt cx="7772400" cy="8552180"/>
           </a:xfrm>
         </p:grpSpPr>
         <p:pic>
           <p:nvPicPr>
-            <p:cNvPr id="43" name="Picture 42">
+            <p:cNvPr id="71" name="Picture 70">
               <a:extLst>
                 <a:ext uri="{FF2B5EF4-FFF2-40B4-BE49-F238E27FC236}">
-                  <a16:creationId xmlns:a16="http://schemas.microsoft.com/office/drawing/2014/main" id="{09CC0512-7CFE-A431-9A6F-9ADD511FEC20}"/>
+                  <a16:creationId xmlns:a16="http://schemas.microsoft.com/office/drawing/2014/main" id="{2A1B6015-6D90-B9A1-2921-E88811562505}"/>
                 </a:ext>
               </a:extLst>
             </p:cNvPr>
@@ -3935,7 +3588,7 @@
           </p:blipFill>
           <p:spPr>
             <a:xfrm>
-              <a:off x="10405479" y="1593342"/>
+              <a:off x="18288000" y="19431000"/>
               <a:ext cx="7772400" cy="5829300"/>
             </a:xfrm>
             <a:prstGeom prst="rect">
@@ -3945,10 +3598,10 @@
         </p:pic>
         <p:pic>
           <p:nvPicPr>
-            <p:cNvPr id="45" name="Picture 44">
+            <p:cNvPr id="73" name="Picture 72">
               <a:extLst>
                 <a:ext uri="{FF2B5EF4-FFF2-40B4-BE49-F238E27FC236}">
-                  <a16:creationId xmlns:a16="http://schemas.microsoft.com/office/drawing/2014/main" id="{45ECD259-5AE1-280C-1C30-77A6CF85BC45}"/>
+                  <a16:creationId xmlns:a16="http://schemas.microsoft.com/office/drawing/2014/main" id="{68633274-2AF2-2E9A-DE97-EBB83F3575EE}"/>
                 </a:ext>
               </a:extLst>
             </p:cNvPr>
@@ -3965,7 +3618,7 @@
           </p:blipFill>
           <p:spPr>
             <a:xfrm>
-              <a:off x="10405479" y="7422642"/>
+              <a:off x="18288000" y="25262840"/>
               <a:ext cx="7772400" cy="2720340"/>
             </a:xfrm>
             <a:prstGeom prst="rect">
@@ -3976,10 +3629,10 @@
       </p:grpSp>
       <p:grpSp>
         <p:nvGrpSpPr>
-          <p:cNvPr id="51" name="Group 50">
+          <p:cNvPr id="79" name="Group 78">
             <a:extLst>
               <a:ext uri="{FF2B5EF4-FFF2-40B4-BE49-F238E27FC236}">
-                <a16:creationId xmlns:a16="http://schemas.microsoft.com/office/drawing/2014/main" id="{D2C0D369-F350-0802-928D-7AC68B8A52A2}"/>
+                <a16:creationId xmlns:a16="http://schemas.microsoft.com/office/drawing/2014/main" id="{38EF0EF5-6D4A-DE41-FA58-A44F6526FA27}"/>
               </a:ext>
             </a:extLst>
           </p:cNvPr>
@@ -3988,18 +3641,18 @@
         </p:nvGrpSpPr>
         <p:grpSpPr>
           <a:xfrm>
-            <a:off x="-5139321" y="10142982"/>
+            <a:off x="0" y="37170361"/>
             <a:ext cx="7772400" cy="8549640"/>
-            <a:chOff x="-5139321" y="10142982"/>
+            <a:chOff x="18288000" y="19431000"/>
             <a:chExt cx="7772400" cy="8549640"/>
           </a:xfrm>
         </p:grpSpPr>
         <p:pic>
           <p:nvPicPr>
-            <p:cNvPr id="48" name="Picture 47">
+            <p:cNvPr id="76" name="Picture 75">
               <a:extLst>
                 <a:ext uri="{FF2B5EF4-FFF2-40B4-BE49-F238E27FC236}">
-                  <a16:creationId xmlns:a16="http://schemas.microsoft.com/office/drawing/2014/main" id="{3D349470-FDC6-FC83-3B4D-5CCBD332FC5F}"/>
+                  <a16:creationId xmlns:a16="http://schemas.microsoft.com/office/drawing/2014/main" id="{4532C29B-2C4D-A4C0-79A8-CFD556B9A448}"/>
                 </a:ext>
               </a:extLst>
             </p:cNvPr>
@@ -4016,7 +3669,7 @@
           </p:blipFill>
           <p:spPr>
             <a:xfrm>
-              <a:off x="-5139321" y="10142982"/>
+              <a:off x="18288000" y="19431000"/>
               <a:ext cx="7772400" cy="5829300"/>
             </a:xfrm>
             <a:prstGeom prst="rect">
@@ -4026,10 +3679,10 @@
         </p:pic>
         <p:pic>
           <p:nvPicPr>
-            <p:cNvPr id="50" name="Picture 49">
+            <p:cNvPr id="78" name="Picture 77">
               <a:extLst>
                 <a:ext uri="{FF2B5EF4-FFF2-40B4-BE49-F238E27FC236}">
-                  <a16:creationId xmlns:a16="http://schemas.microsoft.com/office/drawing/2014/main" id="{8C91AE7F-9A40-51A6-B942-DB5E65D1DBFA}"/>
+                  <a16:creationId xmlns:a16="http://schemas.microsoft.com/office/drawing/2014/main" id="{C09143D0-59C8-98D6-CA03-89124D880A41}"/>
                 </a:ext>
               </a:extLst>
             </p:cNvPr>
@@ -4046,7 +3699,7 @@
           </p:blipFill>
           <p:spPr>
             <a:xfrm>
-              <a:off x="-5139321" y="15972282"/>
+              <a:off x="18288000" y="25260300"/>
               <a:ext cx="7772400" cy="2720340"/>
             </a:xfrm>
             <a:prstGeom prst="rect">
@@ -4057,10 +3710,10 @@
       </p:grpSp>
       <p:grpSp>
         <p:nvGrpSpPr>
-          <p:cNvPr id="56" name="Group 55">
+          <p:cNvPr id="84" name="Group 83">
             <a:extLst>
               <a:ext uri="{FF2B5EF4-FFF2-40B4-BE49-F238E27FC236}">
-                <a16:creationId xmlns:a16="http://schemas.microsoft.com/office/drawing/2014/main" id="{17CDD8DA-9ED7-A945-4D49-8810D4877FA6}"/>
+                <a16:creationId xmlns:a16="http://schemas.microsoft.com/office/drawing/2014/main" id="{2B80889C-F4B8-1CE1-ADC0-0CF484E5825B}"/>
               </a:ext>
             </a:extLst>
           </p:cNvPr>
@@ -4069,18 +3722,18 @@
         </p:nvGrpSpPr>
         <p:grpSpPr>
           <a:xfrm>
-            <a:off x="2633079" y="10142982"/>
+            <a:off x="7772400" y="37170361"/>
             <a:ext cx="7772400" cy="8549640"/>
-            <a:chOff x="5229727" y="10337292"/>
+            <a:chOff x="29870400" y="30048200"/>
             <a:chExt cx="7772400" cy="8549640"/>
           </a:xfrm>
         </p:grpSpPr>
         <p:pic>
           <p:nvPicPr>
-            <p:cNvPr id="53" name="Picture 52">
+            <p:cNvPr id="81" name="Picture 80">
               <a:extLst>
                 <a:ext uri="{FF2B5EF4-FFF2-40B4-BE49-F238E27FC236}">
-                  <a16:creationId xmlns:a16="http://schemas.microsoft.com/office/drawing/2014/main" id="{A585A175-8E8E-3CF3-7A35-CF300435476A}"/>
+                  <a16:creationId xmlns:a16="http://schemas.microsoft.com/office/drawing/2014/main" id="{B1D45328-F23A-A333-31B5-3B3EA54A6A06}"/>
                 </a:ext>
               </a:extLst>
             </p:cNvPr>
@@ -4097,7 +3750,7 @@
           </p:blipFill>
           <p:spPr>
             <a:xfrm>
-              <a:off x="5229727" y="10337292"/>
+              <a:off x="29870400" y="30048200"/>
               <a:ext cx="7772400" cy="5829300"/>
             </a:xfrm>
             <a:prstGeom prst="rect">
@@ -4107,10 +3760,10 @@
         </p:pic>
         <p:pic>
           <p:nvPicPr>
-            <p:cNvPr id="55" name="Picture 54">
+            <p:cNvPr id="83" name="Picture 82">
               <a:extLst>
                 <a:ext uri="{FF2B5EF4-FFF2-40B4-BE49-F238E27FC236}">
-                  <a16:creationId xmlns:a16="http://schemas.microsoft.com/office/drawing/2014/main" id="{26D87266-F47F-8362-50EC-2924797927B8}"/>
+                  <a16:creationId xmlns:a16="http://schemas.microsoft.com/office/drawing/2014/main" id="{774AF299-3160-32CF-C92E-9B9D75408979}"/>
                 </a:ext>
               </a:extLst>
             </p:cNvPr>
@@ -4127,7 +3780,7 @@
           </p:blipFill>
           <p:spPr>
             <a:xfrm>
-              <a:off x="5229727" y="16166592"/>
+              <a:off x="29870400" y="35877500"/>
               <a:ext cx="7772400" cy="2720340"/>
             </a:xfrm>
             <a:prstGeom prst="rect">
@@ -4138,10 +3791,10 @@
       </p:grpSp>
       <p:grpSp>
         <p:nvGrpSpPr>
-          <p:cNvPr id="61" name="Group 60">
+          <p:cNvPr id="89" name="Group 88">
             <a:extLst>
               <a:ext uri="{FF2B5EF4-FFF2-40B4-BE49-F238E27FC236}">
-                <a16:creationId xmlns:a16="http://schemas.microsoft.com/office/drawing/2014/main" id="{FC50D172-3874-EAA0-4D4A-FCE1ECC2CDF6}"/>
+                <a16:creationId xmlns:a16="http://schemas.microsoft.com/office/drawing/2014/main" id="{24F6FA7D-9CF6-D2C4-732A-98B2035345F4}"/>
               </a:ext>
             </a:extLst>
           </p:cNvPr>
@@ -4150,18 +3803,18 @@
         </p:nvGrpSpPr>
         <p:grpSpPr>
           <a:xfrm>
-            <a:off x="10405479" y="10142982"/>
+            <a:off x="15544800" y="37170361"/>
             <a:ext cx="7772400" cy="8549640"/>
-            <a:chOff x="1524000" y="0"/>
+            <a:chOff x="18288000" y="19431000"/>
             <a:chExt cx="7772400" cy="8549640"/>
           </a:xfrm>
         </p:grpSpPr>
         <p:pic>
           <p:nvPicPr>
-            <p:cNvPr id="58" name="Picture 57">
+            <p:cNvPr id="86" name="Picture 85">
               <a:extLst>
                 <a:ext uri="{FF2B5EF4-FFF2-40B4-BE49-F238E27FC236}">
-                  <a16:creationId xmlns:a16="http://schemas.microsoft.com/office/drawing/2014/main" id="{4C7C0EF5-955F-E185-7E7A-AB335513B6F9}"/>
+                  <a16:creationId xmlns:a16="http://schemas.microsoft.com/office/drawing/2014/main" id="{F3CE83AA-36BF-2F22-F2EF-E6940440A52D}"/>
                 </a:ext>
               </a:extLst>
             </p:cNvPr>
@@ -4178,7 +3831,7 @@
           </p:blipFill>
           <p:spPr>
             <a:xfrm>
-              <a:off x="1524000" y="0"/>
+              <a:off x="18288000" y="19431000"/>
               <a:ext cx="7772400" cy="5829300"/>
             </a:xfrm>
             <a:prstGeom prst="rect">
@@ -4188,10 +3841,10 @@
         </p:pic>
         <p:pic>
           <p:nvPicPr>
-            <p:cNvPr id="60" name="Picture 59">
+            <p:cNvPr id="88" name="Picture 87">
               <a:extLst>
                 <a:ext uri="{FF2B5EF4-FFF2-40B4-BE49-F238E27FC236}">
-                  <a16:creationId xmlns:a16="http://schemas.microsoft.com/office/drawing/2014/main" id="{A5A19F3F-58C9-62EA-43CA-392547C089CB}"/>
+                  <a16:creationId xmlns:a16="http://schemas.microsoft.com/office/drawing/2014/main" id="{3FEBF676-7E25-E90F-11F9-DF7204228BEA}"/>
                 </a:ext>
               </a:extLst>
             </p:cNvPr>
@@ -4208,7 +3861,7 @@
           </p:blipFill>
           <p:spPr>
             <a:xfrm>
-              <a:off x="1524000" y="5829300"/>
+              <a:off x="18288000" y="25260300"/>
               <a:ext cx="7772400" cy="2720340"/>
             </a:xfrm>
             <a:prstGeom prst="rect">
@@ -4233,7 +3886,7 @@
 <file path=ppt/theme/theme1.xml><?xml version="1.0" encoding="utf-8"?>
 <a:theme xmlns:a="http://schemas.openxmlformats.org/drawingml/2006/main" name="Office Theme">
   <a:themeElements>
-    <a:clrScheme name="Office">
+    <a:clrScheme name="Office Theme">
       <a:dk1>
         <a:sysClr val="windowText" lastClr="000000"/>
       </a:dk1>
@@ -4271,7 +3924,7 @@
         <a:srgbClr val="954F72"/>
       </a:folHlink>
     </a:clrScheme>
-    <a:fontScheme name="Office">
+    <a:fontScheme name="Office Theme">
       <a:majorFont>
         <a:latin typeface="Calibri Light" panose="020F0302020204030204"/>
         <a:ea typeface=""/>
@@ -4306,23 +3959,6 @@
         <a:font script="Viet" typeface="Times New Roman"/>
         <a:font script="Uigh" typeface="Microsoft Uighur"/>
         <a:font script="Geor" typeface="Sylfaen"/>
-        <a:font script="Armn" typeface="Arial"/>
-        <a:font script="Bugi" typeface="Leelawadee UI"/>
-        <a:font script="Bopo" typeface="Microsoft JhengHei"/>
-        <a:font script="Java" typeface="Javanese Text"/>
-        <a:font script="Lisu" typeface="Segoe UI"/>
-        <a:font script="Mymr" typeface="Myanmar Text"/>
-        <a:font script="Nkoo" typeface="Ebrima"/>
-        <a:font script="Olck" typeface="Nirmala UI"/>
-        <a:font script="Osma" typeface="Ebrima"/>
-        <a:font script="Phag" typeface="Phagspa"/>
-        <a:font script="Syrn" typeface="Estrangelo Edessa"/>
-        <a:font script="Syrj" typeface="Estrangelo Edessa"/>
-        <a:font script="Syre" typeface="Estrangelo Edessa"/>
-        <a:font script="Sora" typeface="Nirmala UI"/>
-        <a:font script="Tale" typeface="Microsoft Tai Le"/>
-        <a:font script="Talu" typeface="Microsoft New Tai Lue"/>
-        <a:font script="Tfng" typeface="Ebrima"/>
       </a:majorFont>
       <a:minorFont>
         <a:latin typeface="Calibri" panose="020F0502020204030204"/>
@@ -4358,26 +3994,9 @@
         <a:font script="Viet" typeface="Arial"/>
         <a:font script="Uigh" typeface="Microsoft Uighur"/>
         <a:font script="Geor" typeface="Sylfaen"/>
-        <a:font script="Armn" typeface="Arial"/>
-        <a:font script="Bugi" typeface="Leelawadee UI"/>
-        <a:font script="Bopo" typeface="Microsoft JhengHei"/>
-        <a:font script="Java" typeface="Javanese Text"/>
-        <a:font script="Lisu" typeface="Segoe UI"/>
-        <a:font script="Mymr" typeface="Myanmar Text"/>
-        <a:font script="Nkoo" typeface="Ebrima"/>
-        <a:font script="Olck" typeface="Nirmala UI"/>
-        <a:font script="Osma" typeface="Ebrima"/>
-        <a:font script="Phag" typeface="Phagspa"/>
-        <a:font script="Syrn" typeface="Estrangelo Edessa"/>
-        <a:font script="Syrj" typeface="Estrangelo Edessa"/>
-        <a:font script="Syre" typeface="Estrangelo Edessa"/>
-        <a:font script="Sora" typeface="Nirmala UI"/>
-        <a:font script="Tale" typeface="Microsoft Tai Le"/>
-        <a:font script="Talu" typeface="Microsoft New Tai Lue"/>
-        <a:font script="Tfng" typeface="Ebrima"/>
       </a:minorFont>
     </a:fontScheme>
-    <a:fmtScheme name="Office">
+    <a:fmtScheme name="Office Theme">
       <a:fillStyleLst>
         <a:solidFill>
           <a:schemeClr val="phClr"/>
@@ -4519,7 +4138,7 @@
   <a:extraClrSchemeLst/>
   <a:extLst>
     <a:ext uri="{05A4C25C-085E-4340-85A3-A5531E510DB2}">
-      <thm15:themeFamily xmlns:thm15="http://schemas.microsoft.com/office/thememl/2012/main" name="Office Theme" id="{62F939B6-93AF-4DB8-9C6B-D6C7DFDC589F}" vid="{4A3C46E8-61CC-4603-A589-7422A47A8E4A}"/>
+      <thm15:themeFamily xmlns:thm15="http://schemas.microsoft.com/office/thememl/2012/main" name="Office 2013 - 2022 Theme" id="{62F939B6-93AF-4DB8-9C6B-D6C7DFDC589F}" vid="{4A3C46E8-61CC-4603-A589-7422A47A8E4A}"/>
     </a:ext>
   </a:extLst>
 </a:theme>
